--- a/src/095/課題(野竹&カービィ).pptx
+++ b/src/095/課題(野竹&カービィ).pptx
@@ -6,6 +6,7 @@
   </p:sldMasterIdLst>
   <p:sldIdLst>
     <p:sldId id="256" r:id="rId2"/>
+    <p:sldId id="257" r:id="rId3"/>
   </p:sldIdLst>
   <p:sldSz cx="12192000" cy="6858000"/>
   <p:notesSz cx="6858000" cy="9144000"/>
@@ -270,7 +271,7 @@
           <a:p>
             <a:fld id="{B4763165-36FA-4B27-A560-1BB1F72A0F3D}" type="datetimeFigureOut">
               <a:rPr kumimoji="1" lang="ja-JP" altLang="en-US" smtClean="0"/>
-              <a:t>2019/10/31</a:t>
+              <a:t>2019/11/4</a:t>
             </a:fld>
             <a:endParaRPr kumimoji="1" lang="ja-JP" altLang="en-US"/>
           </a:p>
@@ -500,7 +501,7 @@
           <a:p>
             <a:fld id="{B4763165-36FA-4B27-A560-1BB1F72A0F3D}" type="datetimeFigureOut">
               <a:rPr kumimoji="1" lang="ja-JP" altLang="en-US" smtClean="0"/>
-              <a:t>2019/10/31</a:t>
+              <a:t>2019/11/4</a:t>
             </a:fld>
             <a:endParaRPr kumimoji="1" lang="ja-JP" altLang="en-US"/>
           </a:p>
@@ -740,7 +741,7 @@
           <a:p>
             <a:fld id="{B4763165-36FA-4B27-A560-1BB1F72A0F3D}" type="datetimeFigureOut">
               <a:rPr kumimoji="1" lang="ja-JP" altLang="en-US" smtClean="0"/>
-              <a:t>2019/10/31</a:t>
+              <a:t>2019/11/4</a:t>
             </a:fld>
             <a:endParaRPr kumimoji="1" lang="ja-JP" altLang="en-US"/>
           </a:p>
@@ -970,7 +971,7 @@
           <a:p>
             <a:fld id="{B4763165-36FA-4B27-A560-1BB1F72A0F3D}" type="datetimeFigureOut">
               <a:rPr kumimoji="1" lang="ja-JP" altLang="en-US" smtClean="0"/>
-              <a:t>2019/10/31</a:t>
+              <a:t>2019/11/4</a:t>
             </a:fld>
             <a:endParaRPr kumimoji="1" lang="ja-JP" altLang="en-US"/>
           </a:p>
@@ -1245,7 +1246,7 @@
           <a:p>
             <a:fld id="{B4763165-36FA-4B27-A560-1BB1F72A0F3D}" type="datetimeFigureOut">
               <a:rPr kumimoji="1" lang="ja-JP" altLang="en-US" smtClean="0"/>
-              <a:t>2019/10/31</a:t>
+              <a:t>2019/11/4</a:t>
             </a:fld>
             <a:endParaRPr kumimoji="1" lang="ja-JP" altLang="en-US"/>
           </a:p>
@@ -1574,7 +1575,7 @@
           <a:p>
             <a:fld id="{B4763165-36FA-4B27-A560-1BB1F72A0F3D}" type="datetimeFigureOut">
               <a:rPr kumimoji="1" lang="ja-JP" altLang="en-US" smtClean="0"/>
-              <a:t>2019/10/31</a:t>
+              <a:t>2019/11/4</a:t>
             </a:fld>
             <a:endParaRPr kumimoji="1" lang="ja-JP" altLang="en-US"/>
           </a:p>
@@ -2050,7 +2051,7 @@
           <a:p>
             <a:fld id="{B4763165-36FA-4B27-A560-1BB1F72A0F3D}" type="datetimeFigureOut">
               <a:rPr kumimoji="1" lang="ja-JP" altLang="en-US" smtClean="0"/>
-              <a:t>2019/10/31</a:t>
+              <a:t>2019/11/4</a:t>
             </a:fld>
             <a:endParaRPr kumimoji="1" lang="ja-JP" altLang="en-US"/>
           </a:p>
@@ -2191,7 +2192,7 @@
           <a:p>
             <a:fld id="{B4763165-36FA-4B27-A560-1BB1F72A0F3D}" type="datetimeFigureOut">
               <a:rPr kumimoji="1" lang="ja-JP" altLang="en-US" smtClean="0"/>
-              <a:t>2019/10/31</a:t>
+              <a:t>2019/11/4</a:t>
             </a:fld>
             <a:endParaRPr kumimoji="1" lang="ja-JP" altLang="en-US"/>
           </a:p>
@@ -2304,7 +2305,7 @@
           <a:p>
             <a:fld id="{B4763165-36FA-4B27-A560-1BB1F72A0F3D}" type="datetimeFigureOut">
               <a:rPr kumimoji="1" lang="ja-JP" altLang="en-US" smtClean="0"/>
-              <a:t>2019/10/31</a:t>
+              <a:t>2019/11/4</a:t>
             </a:fld>
             <a:endParaRPr kumimoji="1" lang="ja-JP" altLang="en-US"/>
           </a:p>
@@ -2647,7 +2648,7 @@
           <a:p>
             <a:fld id="{B4763165-36FA-4B27-A560-1BB1F72A0F3D}" type="datetimeFigureOut">
               <a:rPr kumimoji="1" lang="ja-JP" altLang="en-US" smtClean="0"/>
-              <a:t>2019/10/31</a:t>
+              <a:t>2019/11/4</a:t>
             </a:fld>
             <a:endParaRPr kumimoji="1" lang="ja-JP" altLang="en-US"/>
           </a:p>
@@ -2935,7 +2936,7 @@
           <a:p>
             <a:fld id="{B4763165-36FA-4B27-A560-1BB1F72A0F3D}" type="datetimeFigureOut">
               <a:rPr kumimoji="1" lang="ja-JP" altLang="en-US" smtClean="0"/>
-              <a:t>2019/10/31</a:t>
+              <a:t>2019/11/4</a:t>
             </a:fld>
             <a:endParaRPr kumimoji="1" lang="ja-JP" altLang="en-US"/>
           </a:p>
@@ -3208,7 +3209,7 @@
           <a:p>
             <a:fld id="{B4763165-36FA-4B27-A560-1BB1F72A0F3D}" type="datetimeFigureOut">
               <a:rPr kumimoji="1" lang="ja-JP" altLang="en-US" smtClean="0"/>
-              <a:t>2019/10/31</a:t>
+              <a:t>2019/11/4</a:t>
             </a:fld>
             <a:endParaRPr kumimoji="1" lang="ja-JP" altLang="en-US"/>
           </a:p>
@@ -6098,6 +6099,3787 @@
     <p:extLst>
       <p:ext uri="{BB962C8B-B14F-4D97-AF65-F5344CB8AC3E}">
         <p14:creationId xmlns:p14="http://schemas.microsoft.com/office/powerpoint/2010/main" val="1052374609"/>
+      </p:ext>
+    </p:extLst>
+  </p:cSld>
+  <p:clrMapOvr>
+    <a:masterClrMapping/>
+  </p:clrMapOvr>
+</p:sld>
+</file>
+
+<file path=ppt/slides/slide2.xml><?xml version="1.0" encoding="utf-8"?>
+<p:sld xmlns:a="http://schemas.openxmlformats.org/drawingml/2006/main" xmlns:r="http://schemas.openxmlformats.org/officeDocument/2006/relationships" xmlns:p="http://schemas.openxmlformats.org/presentationml/2006/main">
+  <p:cSld>
+    <p:spTree>
+      <p:nvGrpSpPr>
+        <p:cNvPr id="1" name=""/>
+        <p:cNvGrpSpPr/>
+        <p:nvPr/>
+      </p:nvGrpSpPr>
+      <p:grpSpPr>
+        <a:xfrm>
+          <a:off x="0" y="0"/>
+          <a:ext cx="0" cy="0"/>
+          <a:chOff x="0" y="0"/>
+          <a:chExt cx="0" cy="0"/>
+        </a:xfrm>
+      </p:grpSpPr>
+      <p:sp>
+        <p:nvSpPr>
+          <p:cNvPr id="124" name="正方形/長方形 123">
+            <a:extLst>
+              <a:ext uri="{FF2B5EF4-FFF2-40B4-BE49-F238E27FC236}">
+                <a16:creationId xmlns:a16="http://schemas.microsoft.com/office/drawing/2014/main" id="{B1B0E5BD-5491-4BBD-B5F5-2C92F5E7B025}"/>
+              </a:ext>
+            </a:extLst>
+          </p:cNvPr>
+          <p:cNvSpPr/>
+          <p:nvPr/>
+        </p:nvSpPr>
+        <p:spPr>
+          <a:xfrm>
+            <a:off x="5137372" y="3911906"/>
+            <a:ext cx="1436914" cy="2360022"/>
+          </a:xfrm>
+          <a:prstGeom prst="rect">
+            <a:avLst/>
+          </a:prstGeom>
+          <a:solidFill>
+            <a:schemeClr val="bg1"/>
+          </a:solidFill>
+        </p:spPr>
+        <p:style>
+          <a:lnRef idx="2">
+            <a:schemeClr val="accent1">
+              <a:shade val="50000"/>
+            </a:schemeClr>
+          </a:lnRef>
+          <a:fillRef idx="1">
+            <a:schemeClr val="accent1"/>
+          </a:fillRef>
+          <a:effectRef idx="0">
+            <a:schemeClr val="accent1"/>
+          </a:effectRef>
+          <a:fontRef idx="minor">
+            <a:schemeClr val="lt1"/>
+          </a:fontRef>
+        </p:style>
+        <p:txBody>
+          <a:bodyPr rtlCol="0" anchor="ctr"/>
+          <a:lstStyle/>
+          <a:p>
+            <a:pPr algn="ctr"/>
+            <a:endParaRPr lang="ja-JP" altLang="en-US" dirty="0">
+              <a:solidFill>
+                <a:schemeClr val="tx1"/>
+              </a:solidFill>
+              <a:ea typeface="ＭＳ Ｐゴシック"/>
+              <a:cs typeface="Calibri"/>
+            </a:endParaRPr>
+          </a:p>
+          <a:p>
+            <a:pPr algn="ctr"/>
+            <a:endParaRPr lang="ja-JP" altLang="en-US" dirty="0">
+              <a:solidFill>
+                <a:schemeClr val="tx1"/>
+              </a:solidFill>
+              <a:ea typeface="ＭＳ Ｐゴシック"/>
+              <a:cs typeface="Calibri"/>
+            </a:endParaRPr>
+          </a:p>
+          <a:p>
+            <a:pPr algn="ctr"/>
+            <a:endParaRPr lang="ja-JP" altLang="en-US" dirty="0">
+              <a:solidFill>
+                <a:schemeClr val="tx1"/>
+              </a:solidFill>
+              <a:ea typeface="ＭＳ Ｐゴシック"/>
+              <a:cs typeface="Calibri"/>
+            </a:endParaRPr>
+          </a:p>
+          <a:p>
+            <a:pPr algn="ctr"/>
+            <a:endParaRPr lang="ja-JP" altLang="en-US" dirty="0">
+              <a:solidFill>
+                <a:schemeClr val="tx1"/>
+              </a:solidFill>
+              <a:ea typeface="ＭＳ Ｐゴシック"/>
+              <a:cs typeface="Calibri"/>
+            </a:endParaRPr>
+          </a:p>
+          <a:p>
+            <a:pPr algn="ctr"/>
+            <a:endParaRPr lang="ja-JP" altLang="en-US" dirty="0">
+              <a:solidFill>
+                <a:schemeClr val="tx1"/>
+              </a:solidFill>
+              <a:ea typeface="ＭＳ Ｐゴシック"/>
+              <a:cs typeface="Calibri"/>
+            </a:endParaRPr>
+          </a:p>
+          <a:p>
+            <a:pPr algn="ctr"/>
+            <a:endParaRPr lang="ja-JP" altLang="en-US" dirty="0">
+              <a:solidFill>
+                <a:schemeClr val="tx1"/>
+              </a:solidFill>
+              <a:ea typeface="ＭＳ Ｐゴシック"/>
+              <a:cs typeface="Calibri"/>
+            </a:endParaRPr>
+          </a:p>
+          <a:p>
+            <a:pPr algn="ctr"/>
+            <a:endParaRPr lang="ja-JP" altLang="en-US" dirty="0">
+              <a:solidFill>
+                <a:schemeClr val="tx1"/>
+              </a:solidFill>
+              <a:ea typeface="ＭＳ Ｐゴシック"/>
+              <a:cs typeface="Calibri"/>
+            </a:endParaRPr>
+          </a:p>
+          <a:p>
+            <a:pPr algn="ctr"/>
+            <a:endParaRPr lang="ja-JP" altLang="en-US" dirty="0">
+              <a:solidFill>
+                <a:schemeClr val="tx1"/>
+              </a:solidFill>
+              <a:ea typeface="ＭＳ Ｐゴシック"/>
+              <a:cs typeface="Calibri"/>
+            </a:endParaRPr>
+          </a:p>
+        </p:txBody>
+      </p:sp>
+      <p:sp>
+        <p:nvSpPr>
+          <p:cNvPr id="114" name="正方形/長方形 113">
+            <a:extLst>
+              <a:ext uri="{FF2B5EF4-FFF2-40B4-BE49-F238E27FC236}">
+                <a16:creationId xmlns:a16="http://schemas.microsoft.com/office/drawing/2014/main" id="{66F8F0F1-18E6-4C93-B255-A05C41584589}"/>
+              </a:ext>
+            </a:extLst>
+          </p:cNvPr>
+          <p:cNvSpPr/>
+          <p:nvPr/>
+        </p:nvSpPr>
+        <p:spPr>
+          <a:xfrm>
+            <a:off x="2954854" y="3919086"/>
+            <a:ext cx="1436914" cy="2360022"/>
+          </a:xfrm>
+          <a:prstGeom prst="rect">
+            <a:avLst/>
+          </a:prstGeom>
+          <a:solidFill>
+            <a:schemeClr val="bg1"/>
+          </a:solidFill>
+        </p:spPr>
+        <p:style>
+          <a:lnRef idx="2">
+            <a:schemeClr val="accent1">
+              <a:shade val="50000"/>
+            </a:schemeClr>
+          </a:lnRef>
+          <a:fillRef idx="1">
+            <a:schemeClr val="accent1"/>
+          </a:fillRef>
+          <a:effectRef idx="0">
+            <a:schemeClr val="accent1"/>
+          </a:effectRef>
+          <a:fontRef idx="minor">
+            <a:schemeClr val="lt1"/>
+          </a:fontRef>
+        </p:style>
+        <p:txBody>
+          <a:bodyPr rtlCol="0" anchor="ctr"/>
+          <a:lstStyle/>
+          <a:p>
+            <a:pPr algn="ctr"/>
+            <a:endParaRPr lang="ja-JP" altLang="en-US" dirty="0">
+              <a:solidFill>
+                <a:schemeClr val="tx1"/>
+              </a:solidFill>
+              <a:ea typeface="ＭＳ Ｐゴシック"/>
+              <a:cs typeface="Calibri"/>
+            </a:endParaRPr>
+          </a:p>
+          <a:p>
+            <a:pPr algn="ctr"/>
+            <a:endParaRPr lang="ja-JP" altLang="en-US" dirty="0">
+              <a:solidFill>
+                <a:schemeClr val="tx1"/>
+              </a:solidFill>
+              <a:ea typeface="ＭＳ Ｐゴシック"/>
+              <a:cs typeface="Calibri"/>
+            </a:endParaRPr>
+          </a:p>
+          <a:p>
+            <a:pPr algn="ctr"/>
+            <a:endParaRPr lang="ja-JP" altLang="en-US" dirty="0">
+              <a:solidFill>
+                <a:schemeClr val="tx1"/>
+              </a:solidFill>
+              <a:ea typeface="ＭＳ Ｐゴシック"/>
+              <a:cs typeface="Calibri"/>
+            </a:endParaRPr>
+          </a:p>
+          <a:p>
+            <a:pPr algn="ctr"/>
+            <a:endParaRPr lang="ja-JP" altLang="en-US" dirty="0">
+              <a:solidFill>
+                <a:schemeClr val="tx1"/>
+              </a:solidFill>
+              <a:ea typeface="ＭＳ Ｐゴシック"/>
+              <a:cs typeface="Calibri"/>
+            </a:endParaRPr>
+          </a:p>
+          <a:p>
+            <a:pPr algn="ctr"/>
+            <a:endParaRPr lang="ja-JP" altLang="en-US" dirty="0">
+              <a:solidFill>
+                <a:schemeClr val="tx1"/>
+              </a:solidFill>
+              <a:ea typeface="ＭＳ Ｐゴシック"/>
+              <a:cs typeface="Calibri"/>
+            </a:endParaRPr>
+          </a:p>
+          <a:p>
+            <a:pPr algn="ctr"/>
+            <a:endParaRPr lang="ja-JP" altLang="en-US" dirty="0">
+              <a:solidFill>
+                <a:schemeClr val="tx1"/>
+              </a:solidFill>
+              <a:ea typeface="ＭＳ Ｐゴシック"/>
+              <a:cs typeface="Calibri"/>
+            </a:endParaRPr>
+          </a:p>
+          <a:p>
+            <a:pPr algn="ctr"/>
+            <a:endParaRPr lang="ja-JP" altLang="en-US" dirty="0">
+              <a:solidFill>
+                <a:schemeClr val="tx1"/>
+              </a:solidFill>
+              <a:ea typeface="ＭＳ Ｐゴシック"/>
+              <a:cs typeface="Calibri"/>
+            </a:endParaRPr>
+          </a:p>
+          <a:p>
+            <a:pPr algn="ctr"/>
+            <a:endParaRPr lang="ja-JP" altLang="en-US" dirty="0">
+              <a:solidFill>
+                <a:schemeClr val="tx1"/>
+              </a:solidFill>
+              <a:ea typeface="ＭＳ Ｐゴシック"/>
+              <a:cs typeface="Calibri"/>
+            </a:endParaRPr>
+          </a:p>
+        </p:txBody>
+      </p:sp>
+      <p:sp>
+        <p:nvSpPr>
+          <p:cNvPr id="2" name="正方形/長方形 1">
+            <a:extLst>
+              <a:ext uri="{FF2B5EF4-FFF2-40B4-BE49-F238E27FC236}">
+                <a16:creationId xmlns:a16="http://schemas.microsoft.com/office/drawing/2014/main" id="{B41053D2-FA86-4E3A-8237-A4CF24796455}"/>
+              </a:ext>
+            </a:extLst>
+          </p:cNvPr>
+          <p:cNvSpPr/>
+          <p:nvPr/>
+        </p:nvSpPr>
+        <p:spPr>
+          <a:xfrm>
+            <a:off x="2825931" y="128452"/>
+            <a:ext cx="1968137" cy="1902822"/>
+          </a:xfrm>
+          <a:prstGeom prst="rect">
+            <a:avLst/>
+          </a:prstGeom>
+          <a:solidFill>
+            <a:schemeClr val="bg1"/>
+          </a:solidFill>
+          <a:ln>
+            <a:solidFill>
+              <a:schemeClr val="tx1"/>
+            </a:solidFill>
+          </a:ln>
+        </p:spPr>
+        <p:style>
+          <a:lnRef idx="2">
+            <a:schemeClr val="accent1">
+              <a:shade val="50000"/>
+            </a:schemeClr>
+          </a:lnRef>
+          <a:fillRef idx="1">
+            <a:schemeClr val="accent1"/>
+          </a:fillRef>
+          <a:effectRef idx="0">
+            <a:schemeClr val="accent1"/>
+          </a:effectRef>
+          <a:fontRef idx="minor">
+            <a:schemeClr val="lt1"/>
+          </a:fontRef>
+        </p:style>
+        <p:txBody>
+          <a:bodyPr rtlCol="0" anchor="ctr"/>
+          <a:lstStyle/>
+          <a:p>
+            <a:pPr algn="ctr"/>
+            <a:endParaRPr lang="ja-JP" altLang="en-US" dirty="0">
+              <a:solidFill>
+                <a:schemeClr val="tx1"/>
+              </a:solidFill>
+              <a:ea typeface="ＭＳ Ｐゴシック"/>
+              <a:cs typeface="Calibri"/>
+            </a:endParaRPr>
+          </a:p>
+          <a:p>
+            <a:pPr algn="ctr"/>
+            <a:endParaRPr lang="ja-JP" altLang="en-US" dirty="0">
+              <a:solidFill>
+                <a:schemeClr val="tx1"/>
+              </a:solidFill>
+              <a:ea typeface="ＭＳ Ｐゴシック"/>
+              <a:cs typeface="Calibri"/>
+            </a:endParaRPr>
+          </a:p>
+          <a:p>
+            <a:pPr algn="ctr"/>
+            <a:endParaRPr lang="ja-JP" altLang="en-US" sz="1000" dirty="0">
+              <a:solidFill>
+                <a:schemeClr val="tx1"/>
+              </a:solidFill>
+              <a:ea typeface="ＭＳ Ｐゴシック"/>
+              <a:cs typeface="Calibri"/>
+            </a:endParaRPr>
+          </a:p>
+          <a:p>
+            <a:pPr algn="ctr"/>
+            <a:endParaRPr lang="ja-JP" altLang="en-US">
+              <a:solidFill>
+                <a:schemeClr val="tx1"/>
+              </a:solidFill>
+              <a:ea typeface="ＭＳ Ｐゴシック"/>
+              <a:cs typeface="Calibri"/>
+            </a:endParaRPr>
+          </a:p>
+          <a:p>
+            <a:pPr algn="ctr"/>
+            <a:endParaRPr lang="ja-JP" altLang="en-US">
+              <a:solidFill>
+                <a:schemeClr val="tx1"/>
+              </a:solidFill>
+              <a:ea typeface="ＭＳ Ｐゴシック"/>
+              <a:cs typeface="Calibri"/>
+            </a:endParaRPr>
+          </a:p>
+          <a:p>
+            <a:pPr algn="ctr"/>
+            <a:endParaRPr lang="ja-JP" altLang="en-US">
+              <a:solidFill>
+                <a:schemeClr val="tx1"/>
+              </a:solidFill>
+              <a:ea typeface="ＭＳ Ｐゴシック"/>
+              <a:cs typeface="Calibri"/>
+            </a:endParaRPr>
+          </a:p>
+        </p:txBody>
+      </p:sp>
+      <p:sp>
+        <p:nvSpPr>
+          <p:cNvPr id="3" name="正方形/長方形 2">
+            <a:extLst>
+              <a:ext uri="{FF2B5EF4-FFF2-40B4-BE49-F238E27FC236}">
+                <a16:creationId xmlns:a16="http://schemas.microsoft.com/office/drawing/2014/main" id="{F5A4735F-FBBB-47D2-B626-E0C10B130682}"/>
+              </a:ext>
+            </a:extLst>
+          </p:cNvPr>
+          <p:cNvSpPr/>
+          <p:nvPr/>
+        </p:nvSpPr>
+        <p:spPr>
+          <a:xfrm>
+            <a:off x="4031252" y="589191"/>
+            <a:ext cx="444138" cy="248194"/>
+          </a:xfrm>
+          <a:prstGeom prst="rect">
+            <a:avLst/>
+          </a:prstGeom>
+          <a:solidFill>
+            <a:schemeClr val="bg1"/>
+          </a:solidFill>
+          <a:ln>
+            <a:solidFill>
+              <a:schemeClr val="tx1"/>
+            </a:solidFill>
+          </a:ln>
+        </p:spPr>
+        <p:style>
+          <a:lnRef idx="2">
+            <a:schemeClr val="accent1">
+              <a:shade val="50000"/>
+            </a:schemeClr>
+          </a:lnRef>
+          <a:fillRef idx="1">
+            <a:schemeClr val="accent1"/>
+          </a:fillRef>
+          <a:effectRef idx="0">
+            <a:schemeClr val="accent1"/>
+          </a:effectRef>
+          <a:fontRef idx="minor">
+            <a:schemeClr val="lt1"/>
+          </a:fontRef>
+        </p:style>
+        <p:txBody>
+          <a:bodyPr rtlCol="0" anchor="ctr"/>
+          <a:lstStyle/>
+          <a:p>
+            <a:pPr algn="ctr"/>
+            <a:endParaRPr lang="ja-JP" altLang="en-US">
+              <a:solidFill>
+                <a:srgbClr val="000000"/>
+              </a:solidFill>
+            </a:endParaRPr>
+          </a:p>
+        </p:txBody>
+      </p:sp>
+      <p:sp>
+        <p:nvSpPr>
+          <p:cNvPr id="4" name="テキスト ボックス 3">
+            <a:extLst>
+              <a:ext uri="{FF2B5EF4-FFF2-40B4-BE49-F238E27FC236}">
+                <a16:creationId xmlns:a16="http://schemas.microsoft.com/office/drawing/2014/main" id="{1BEA5C44-6E00-4978-91DF-0744B5221682}"/>
+              </a:ext>
+            </a:extLst>
+          </p:cNvPr>
+          <p:cNvSpPr txBox="1"/>
+          <p:nvPr/>
+        </p:nvSpPr>
+        <p:spPr>
+          <a:xfrm>
+            <a:off x="3237955" y="503464"/>
+            <a:ext cx="627017" cy="369332"/>
+          </a:xfrm>
+          <a:prstGeom prst="rect">
+            <a:avLst/>
+          </a:prstGeom>
+          <a:noFill/>
+        </p:spPr>
+        <p:txBody>
+          <a:bodyPr rot="0" spcFirstLastPara="0" vertOverflow="overflow" horzOverflow="overflow" vert="horz" wrap="square" lIns="91440" tIns="45720" rIns="91440" bIns="45720" numCol="1" spcCol="0" rtlCol="0" fromWordArt="0" anchor="t" anchorCtr="0" forceAA="0" compatLnSpc="1">
+            <a:prstTxWarp prst="textNoShape">
+              <a:avLst/>
+            </a:prstTxWarp>
+            <a:spAutoFit/>
+          </a:bodyPr>
+          <a:lstStyle/>
+          <a:p>
+            <a:pPr algn="l"/>
+            <a:r>
+              <a:rPr lang="ja-JP" altLang="en-US">
+                <a:ea typeface="ＭＳ Ｐゴシック"/>
+                <a:cs typeface="Calibri"/>
+              </a:rPr>
+              <a:t>ako</a:t>
+            </a:r>
+          </a:p>
+        </p:txBody>
+      </p:sp>
+      <p:sp>
+        <p:nvSpPr>
+          <p:cNvPr id="6" name="正方形/長方形 5">
+            <a:extLst>
+              <a:ext uri="{FF2B5EF4-FFF2-40B4-BE49-F238E27FC236}">
+                <a16:creationId xmlns:a16="http://schemas.microsoft.com/office/drawing/2014/main" id="{8DFFA7EF-351D-4D7C-A494-48CDECF7A3AC}"/>
+              </a:ext>
+            </a:extLst>
+          </p:cNvPr>
+          <p:cNvSpPr/>
+          <p:nvPr/>
+        </p:nvSpPr>
+        <p:spPr>
+          <a:xfrm>
+            <a:off x="1080951" y="2724696"/>
+            <a:ext cx="1349829" cy="957943"/>
+          </a:xfrm>
+          <a:prstGeom prst="rect">
+            <a:avLst/>
+          </a:prstGeom>
+          <a:solidFill>
+            <a:schemeClr val="bg1"/>
+          </a:solidFill>
+          <a:ln>
+            <a:solidFill>
+              <a:schemeClr val="tx1"/>
+            </a:solidFill>
+          </a:ln>
+        </p:spPr>
+        <p:style>
+          <a:lnRef idx="2">
+            <a:schemeClr val="accent1">
+              <a:shade val="50000"/>
+            </a:schemeClr>
+          </a:lnRef>
+          <a:fillRef idx="1">
+            <a:schemeClr val="accent1"/>
+          </a:fillRef>
+          <a:effectRef idx="0">
+            <a:schemeClr val="accent1"/>
+          </a:effectRef>
+          <a:fontRef idx="minor">
+            <a:schemeClr val="lt1"/>
+          </a:fontRef>
+        </p:style>
+        <p:txBody>
+          <a:bodyPr rtlCol="0" anchor="ctr"/>
+          <a:lstStyle/>
+          <a:p>
+            <a:pPr algn="ctr"/>
+            <a:endParaRPr lang="ja-JP" altLang="en-US" dirty="0">
+              <a:solidFill>
+                <a:schemeClr val="tx1"/>
+              </a:solidFill>
+              <a:ea typeface="ＭＳ Ｐゴシック"/>
+              <a:cs typeface="Calibri"/>
+            </a:endParaRPr>
+          </a:p>
+          <a:p>
+            <a:pPr algn="ctr"/>
+            <a:endParaRPr lang="ja-JP" altLang="en-US">
+              <a:solidFill>
+                <a:schemeClr val="tx1"/>
+              </a:solidFill>
+              <a:ea typeface="ＭＳ Ｐゴシック"/>
+              <a:cs typeface="Calibri"/>
+            </a:endParaRPr>
+          </a:p>
+        </p:txBody>
+      </p:sp>
+      <p:sp>
+        <p:nvSpPr>
+          <p:cNvPr id="7" name="正方形/長方形 6">
+            <a:extLst>
+              <a:ext uri="{FF2B5EF4-FFF2-40B4-BE49-F238E27FC236}">
+                <a16:creationId xmlns:a16="http://schemas.microsoft.com/office/drawing/2014/main" id="{7DD96ECF-3055-49F0-83D9-CE8F934BD398}"/>
+              </a:ext>
+            </a:extLst>
+          </p:cNvPr>
+          <p:cNvSpPr/>
+          <p:nvPr/>
+        </p:nvSpPr>
+        <p:spPr>
+          <a:xfrm>
+            <a:off x="3222171" y="2732314"/>
+            <a:ext cx="1262743" cy="957944"/>
+          </a:xfrm>
+          <a:prstGeom prst="rect">
+            <a:avLst/>
+          </a:prstGeom>
+          <a:solidFill>
+            <a:schemeClr val="bg1"/>
+          </a:solidFill>
+          <a:ln>
+            <a:solidFill>
+              <a:schemeClr val="tx1"/>
+            </a:solidFill>
+          </a:ln>
+        </p:spPr>
+        <p:style>
+          <a:lnRef idx="2">
+            <a:schemeClr val="accent1">
+              <a:shade val="50000"/>
+            </a:schemeClr>
+          </a:lnRef>
+          <a:fillRef idx="1">
+            <a:schemeClr val="accent1"/>
+          </a:fillRef>
+          <a:effectRef idx="0">
+            <a:schemeClr val="accent1"/>
+          </a:effectRef>
+          <a:fontRef idx="minor">
+            <a:schemeClr val="lt1"/>
+          </a:fontRef>
+        </p:style>
+        <p:txBody>
+          <a:bodyPr rtlCol="0" anchor="ctr"/>
+          <a:lstStyle/>
+          <a:p>
+            <a:pPr algn="ctr"/>
+            <a:endParaRPr lang="ja-JP" altLang="en-US" dirty="0">
+              <a:solidFill>
+                <a:schemeClr val="tx1"/>
+              </a:solidFill>
+              <a:ea typeface="ＭＳ Ｐゴシック"/>
+              <a:cs typeface="Calibri"/>
+            </a:endParaRPr>
+          </a:p>
+          <a:p>
+            <a:pPr algn="ctr"/>
+            <a:endParaRPr lang="ja-JP" altLang="en-US">
+              <a:solidFill>
+                <a:schemeClr val="tx1"/>
+              </a:solidFill>
+              <a:ea typeface="ＭＳ Ｐゴシック"/>
+              <a:cs typeface="Calibri"/>
+            </a:endParaRPr>
+          </a:p>
+        </p:txBody>
+      </p:sp>
+      <p:sp>
+        <p:nvSpPr>
+          <p:cNvPr id="8" name="正方形/長方形 7">
+            <a:extLst>
+              <a:ext uri="{FF2B5EF4-FFF2-40B4-BE49-F238E27FC236}">
+                <a16:creationId xmlns:a16="http://schemas.microsoft.com/office/drawing/2014/main" id="{FB7BEFDF-C2FA-4B6F-8E22-D9256D8EA9E6}"/>
+              </a:ext>
+            </a:extLst>
+          </p:cNvPr>
+          <p:cNvSpPr/>
+          <p:nvPr/>
+        </p:nvSpPr>
+        <p:spPr>
+          <a:xfrm>
+            <a:off x="5111115" y="2735852"/>
+            <a:ext cx="1280160" cy="957943"/>
+          </a:xfrm>
+          <a:prstGeom prst="rect">
+            <a:avLst/>
+          </a:prstGeom>
+          <a:solidFill>
+            <a:schemeClr val="bg1"/>
+          </a:solidFill>
+          <a:ln>
+            <a:solidFill>
+              <a:schemeClr val="tx1"/>
+            </a:solidFill>
+          </a:ln>
+        </p:spPr>
+        <p:style>
+          <a:lnRef idx="2">
+            <a:schemeClr val="accent1">
+              <a:shade val="50000"/>
+            </a:schemeClr>
+          </a:lnRef>
+          <a:fillRef idx="1">
+            <a:schemeClr val="accent1"/>
+          </a:fillRef>
+          <a:effectRef idx="0">
+            <a:schemeClr val="accent1"/>
+          </a:effectRef>
+          <a:fontRef idx="minor">
+            <a:schemeClr val="lt1"/>
+          </a:fontRef>
+        </p:style>
+        <p:txBody>
+          <a:bodyPr rtlCol="0" anchor="ctr"/>
+          <a:lstStyle/>
+          <a:p>
+            <a:pPr algn="ctr"/>
+            <a:r>
+              <a:rPr lang="ja-JP" altLang="en-US">
+                <a:solidFill>
+                  <a:schemeClr val="tx1"/>
+                </a:solidFill>
+                <a:ea typeface="ＭＳ Ｐゴシック"/>
+                <a:cs typeface="Calibri" panose="020F0502020204030204"/>
+              </a:rPr>
+              <a:t>その他</a:t>
+            </a:r>
+          </a:p>
+          <a:p>
+            <a:pPr algn="ctr"/>
+            <a:endParaRPr lang="ja-JP" altLang="en-US">
+              <a:ea typeface="ＭＳ Ｐゴシック"/>
+              <a:cs typeface="Calibri"/>
+            </a:endParaRPr>
+          </a:p>
+        </p:txBody>
+      </p:sp>
+      <p:sp>
+        <p:nvSpPr>
+          <p:cNvPr id="9" name="正方形/長方形 8">
+            <a:extLst>
+              <a:ext uri="{FF2B5EF4-FFF2-40B4-BE49-F238E27FC236}">
+                <a16:creationId xmlns:a16="http://schemas.microsoft.com/office/drawing/2014/main" id="{382DAA28-AAB7-48DC-AC3C-694998D64302}"/>
+              </a:ext>
+            </a:extLst>
+          </p:cNvPr>
+          <p:cNvSpPr/>
+          <p:nvPr/>
+        </p:nvSpPr>
+        <p:spPr>
+          <a:xfrm>
+            <a:off x="1757498" y="3283675"/>
+            <a:ext cx="518162" cy="261258"/>
+          </a:xfrm>
+          <a:prstGeom prst="rect">
+            <a:avLst/>
+          </a:prstGeom>
+          <a:solidFill>
+            <a:schemeClr val="bg1"/>
+          </a:solidFill>
+        </p:spPr>
+        <p:style>
+          <a:lnRef idx="2">
+            <a:schemeClr val="accent1">
+              <a:shade val="50000"/>
+            </a:schemeClr>
+          </a:lnRef>
+          <a:fillRef idx="1">
+            <a:schemeClr val="accent1"/>
+          </a:fillRef>
+          <a:effectRef idx="0">
+            <a:schemeClr val="accent1"/>
+          </a:effectRef>
+          <a:fontRef idx="minor">
+            <a:schemeClr val="lt1"/>
+          </a:fontRef>
+        </p:style>
+        <p:txBody>
+          <a:bodyPr rtlCol="0" anchor="ctr"/>
+          <a:lstStyle/>
+          <a:p>
+            <a:pPr algn="ctr"/>
+            <a:endParaRPr lang="ja-JP" altLang="en-US"/>
+          </a:p>
+        </p:txBody>
+      </p:sp>
+      <p:sp>
+        <p:nvSpPr>
+          <p:cNvPr id="10" name="正方形/長方形 9">
+            <a:extLst>
+              <a:ext uri="{FF2B5EF4-FFF2-40B4-BE49-F238E27FC236}">
+                <a16:creationId xmlns:a16="http://schemas.microsoft.com/office/drawing/2014/main" id="{0A4BA161-6219-4305-99B0-AC10C93E47F3}"/>
+              </a:ext>
+            </a:extLst>
+          </p:cNvPr>
+          <p:cNvSpPr/>
+          <p:nvPr/>
+        </p:nvSpPr>
+        <p:spPr>
+          <a:xfrm>
+            <a:off x="3872865" y="3282859"/>
+            <a:ext cx="478972" cy="278675"/>
+          </a:xfrm>
+          <a:prstGeom prst="rect">
+            <a:avLst/>
+          </a:prstGeom>
+          <a:solidFill>
+            <a:schemeClr val="bg1"/>
+          </a:solidFill>
+        </p:spPr>
+        <p:style>
+          <a:lnRef idx="2">
+            <a:schemeClr val="accent1">
+              <a:shade val="50000"/>
+            </a:schemeClr>
+          </a:lnRef>
+          <a:fillRef idx="1">
+            <a:schemeClr val="accent1"/>
+          </a:fillRef>
+          <a:effectRef idx="0">
+            <a:schemeClr val="accent1"/>
+          </a:effectRef>
+          <a:fontRef idx="minor">
+            <a:schemeClr val="lt1"/>
+          </a:fontRef>
+        </p:style>
+        <p:txBody>
+          <a:bodyPr rtlCol="0" anchor="ctr"/>
+          <a:lstStyle/>
+          <a:p>
+            <a:pPr algn="ctr"/>
+            <a:endParaRPr lang="ja-JP" altLang="en-US"/>
+          </a:p>
+        </p:txBody>
+      </p:sp>
+      <p:sp>
+        <p:nvSpPr>
+          <p:cNvPr id="11" name="正方形/長方形 10">
+            <a:extLst>
+              <a:ext uri="{FF2B5EF4-FFF2-40B4-BE49-F238E27FC236}">
+                <a16:creationId xmlns:a16="http://schemas.microsoft.com/office/drawing/2014/main" id="{65871395-9953-4997-B6D2-930C886E2528}"/>
+              </a:ext>
+            </a:extLst>
+          </p:cNvPr>
+          <p:cNvSpPr/>
+          <p:nvPr/>
+        </p:nvSpPr>
+        <p:spPr>
+          <a:xfrm>
+            <a:off x="5700850" y="3312523"/>
+            <a:ext cx="557348" cy="304800"/>
+          </a:xfrm>
+          <a:prstGeom prst="rect">
+            <a:avLst/>
+          </a:prstGeom>
+          <a:solidFill>
+            <a:schemeClr val="bg1"/>
+          </a:solidFill>
+        </p:spPr>
+        <p:style>
+          <a:lnRef idx="2">
+            <a:schemeClr val="accent1">
+              <a:shade val="50000"/>
+            </a:schemeClr>
+          </a:lnRef>
+          <a:fillRef idx="1">
+            <a:schemeClr val="accent1"/>
+          </a:fillRef>
+          <a:effectRef idx="0">
+            <a:schemeClr val="accent1"/>
+          </a:effectRef>
+          <a:fontRef idx="minor">
+            <a:schemeClr val="lt1"/>
+          </a:fontRef>
+        </p:style>
+        <p:txBody>
+          <a:bodyPr rtlCol="0" anchor="ctr"/>
+          <a:lstStyle/>
+          <a:p>
+            <a:pPr algn="ctr"/>
+            <a:endParaRPr lang="ja-JP" altLang="en-US"/>
+          </a:p>
+        </p:txBody>
+      </p:sp>
+      <p:sp>
+        <p:nvSpPr>
+          <p:cNvPr id="12" name="テキスト ボックス 11">
+            <a:extLst>
+              <a:ext uri="{FF2B5EF4-FFF2-40B4-BE49-F238E27FC236}">
+                <a16:creationId xmlns:a16="http://schemas.microsoft.com/office/drawing/2014/main" id="{5D94F4EE-1A8B-4CDA-9755-5589F7966B0B}"/>
+              </a:ext>
+            </a:extLst>
+          </p:cNvPr>
+          <p:cNvSpPr txBox="1"/>
+          <p:nvPr/>
+        </p:nvSpPr>
+        <p:spPr>
+          <a:xfrm>
+            <a:off x="1188992" y="3226798"/>
+            <a:ext cx="526869" cy="369332"/>
+          </a:xfrm>
+          <a:prstGeom prst="rect">
+            <a:avLst/>
+          </a:prstGeom>
+          <a:noFill/>
+        </p:spPr>
+        <p:txBody>
+          <a:bodyPr rot="0" spcFirstLastPara="0" vertOverflow="overflow" horzOverflow="overflow" vert="horz" wrap="square" lIns="91440" tIns="45720" rIns="91440" bIns="45720" numCol="1" spcCol="0" rtlCol="0" fromWordArt="0" anchor="t" anchorCtr="0" forceAA="0" compatLnSpc="1">
+            <a:prstTxWarp prst="textNoShape">
+              <a:avLst/>
+            </a:prstTxWarp>
+            <a:spAutoFit/>
+          </a:bodyPr>
+          <a:lstStyle/>
+          <a:p>
+            <a:pPr algn="l"/>
+            <a:r>
+              <a:rPr lang="ja-JP" altLang="en-US">
+                <a:ea typeface="ＭＳ Ｐゴシック"/>
+                <a:cs typeface="Calibri"/>
+              </a:rPr>
+              <a:t>ako</a:t>
+            </a:r>
+          </a:p>
+        </p:txBody>
+      </p:sp>
+      <p:sp>
+        <p:nvSpPr>
+          <p:cNvPr id="14" name="テキスト ボックス 13">
+            <a:extLst>
+              <a:ext uri="{FF2B5EF4-FFF2-40B4-BE49-F238E27FC236}">
+                <a16:creationId xmlns:a16="http://schemas.microsoft.com/office/drawing/2014/main" id="{BA919AFA-F231-4BA1-B8A9-E797F59C8402}"/>
+              </a:ext>
+            </a:extLst>
+          </p:cNvPr>
+          <p:cNvSpPr txBox="1"/>
+          <p:nvPr/>
+        </p:nvSpPr>
+        <p:spPr>
+          <a:xfrm>
+            <a:off x="3334022" y="3242583"/>
+            <a:ext cx="539932" cy="369332"/>
+          </a:xfrm>
+          <a:prstGeom prst="rect">
+            <a:avLst/>
+          </a:prstGeom>
+          <a:noFill/>
+        </p:spPr>
+        <p:txBody>
+          <a:bodyPr rot="0" spcFirstLastPara="0" vertOverflow="overflow" horzOverflow="overflow" vert="horz" wrap="square" lIns="91440" tIns="45720" rIns="91440" bIns="45720" numCol="1" spcCol="0" rtlCol="0" fromWordArt="0" anchor="t" anchorCtr="0" forceAA="0" compatLnSpc="1">
+            <a:prstTxWarp prst="textNoShape">
+              <a:avLst/>
+            </a:prstTxWarp>
+            <a:spAutoFit/>
+          </a:bodyPr>
+          <a:lstStyle/>
+          <a:p>
+            <a:pPr algn="l"/>
+            <a:r>
+              <a:rPr lang="ja-JP" altLang="en-US">
+                <a:ea typeface="ＭＳ Ｐゴシック"/>
+              </a:rPr>
+              <a:t>ako</a:t>
+            </a:r>
+            <a:endParaRPr lang="ja-JP" altLang="en-US">
+              <a:ea typeface="ＭＳ Ｐゴシック"/>
+              <a:cs typeface="Calibri"/>
+            </a:endParaRPr>
+          </a:p>
+        </p:txBody>
+      </p:sp>
+      <p:sp>
+        <p:nvSpPr>
+          <p:cNvPr id="15" name="テキスト ボックス 14">
+            <a:extLst>
+              <a:ext uri="{FF2B5EF4-FFF2-40B4-BE49-F238E27FC236}">
+                <a16:creationId xmlns:a16="http://schemas.microsoft.com/office/drawing/2014/main" id="{D780FAA3-BD21-4BE0-BA52-9B8C79CE4011}"/>
+              </a:ext>
+            </a:extLst>
+          </p:cNvPr>
+          <p:cNvSpPr txBox="1"/>
+          <p:nvPr/>
+        </p:nvSpPr>
+        <p:spPr>
+          <a:xfrm>
+            <a:off x="5170715" y="3280954"/>
+            <a:ext cx="531223" cy="369332"/>
+          </a:xfrm>
+          <a:prstGeom prst="rect">
+            <a:avLst/>
+          </a:prstGeom>
+          <a:noFill/>
+        </p:spPr>
+        <p:txBody>
+          <a:bodyPr rot="0" spcFirstLastPara="0" vertOverflow="overflow" horzOverflow="overflow" vert="horz" wrap="square" lIns="91440" tIns="45720" rIns="91440" bIns="45720" numCol="1" spcCol="0" rtlCol="0" fromWordArt="0" anchor="t" anchorCtr="0" forceAA="0" compatLnSpc="1">
+            <a:prstTxWarp prst="textNoShape">
+              <a:avLst/>
+            </a:prstTxWarp>
+            <a:spAutoFit/>
+          </a:bodyPr>
+          <a:lstStyle/>
+          <a:p>
+            <a:pPr algn="l"/>
+            <a:r>
+              <a:rPr lang="ja-JP" altLang="en-US">
+                <a:ea typeface="ＭＳ Ｐゴシック"/>
+                <a:cs typeface="Calibri"/>
+              </a:rPr>
+              <a:t>ako</a:t>
+            </a:r>
+          </a:p>
+        </p:txBody>
+      </p:sp>
+      <p:sp>
+        <p:nvSpPr>
+          <p:cNvPr id="18" name="正方形/長方形 17">
+            <a:extLst>
+              <a:ext uri="{FF2B5EF4-FFF2-40B4-BE49-F238E27FC236}">
+                <a16:creationId xmlns:a16="http://schemas.microsoft.com/office/drawing/2014/main" id="{4E7D8214-7435-4DD5-A039-2FF66FA80F14}"/>
+              </a:ext>
+            </a:extLst>
+          </p:cNvPr>
+          <p:cNvSpPr/>
+          <p:nvPr/>
+        </p:nvSpPr>
+        <p:spPr>
+          <a:xfrm>
+            <a:off x="9692368" y="393790"/>
+            <a:ext cx="1811382" cy="1105988"/>
+          </a:xfrm>
+          <a:prstGeom prst="rect">
+            <a:avLst/>
+          </a:prstGeom>
+          <a:solidFill>
+            <a:schemeClr val="bg1"/>
+          </a:solidFill>
+        </p:spPr>
+        <p:style>
+          <a:lnRef idx="2">
+            <a:schemeClr val="accent1">
+              <a:shade val="50000"/>
+            </a:schemeClr>
+          </a:lnRef>
+          <a:fillRef idx="1">
+            <a:schemeClr val="accent1"/>
+          </a:fillRef>
+          <a:effectRef idx="0">
+            <a:schemeClr val="accent1"/>
+          </a:effectRef>
+          <a:fontRef idx="minor">
+            <a:schemeClr val="lt1"/>
+          </a:fontRef>
+        </p:style>
+        <p:txBody>
+          <a:bodyPr rtlCol="0" anchor="ctr"/>
+          <a:lstStyle/>
+          <a:p>
+            <a:pPr algn="ctr"/>
+            <a:r>
+              <a:rPr lang="ja-JP" altLang="en-US">
+                <a:solidFill>
+                  <a:schemeClr val="tx1"/>
+                </a:solidFill>
+                <a:ea typeface="ＭＳ Ｐゴシック"/>
+                <a:cs typeface="Calibri"/>
+              </a:rPr>
+              <a:t>ゲームタイトル</a:t>
+            </a:r>
+          </a:p>
+          <a:p>
+            <a:pPr algn="ctr"/>
+            <a:endParaRPr lang="ja-JP" altLang="en-US">
+              <a:solidFill>
+                <a:schemeClr val="tx1"/>
+              </a:solidFill>
+              <a:ea typeface="ＭＳ Ｐゴシック"/>
+              <a:cs typeface="Calibri"/>
+            </a:endParaRPr>
+          </a:p>
+        </p:txBody>
+      </p:sp>
+      <p:sp>
+        <p:nvSpPr>
+          <p:cNvPr id="19" name="正方形/長方形 18">
+            <a:extLst>
+              <a:ext uri="{FF2B5EF4-FFF2-40B4-BE49-F238E27FC236}">
+                <a16:creationId xmlns:a16="http://schemas.microsoft.com/office/drawing/2014/main" id="{3C12455E-8DCA-4472-9415-856CF6D21F56}"/>
+              </a:ext>
+            </a:extLst>
+          </p:cNvPr>
+          <p:cNvSpPr/>
+          <p:nvPr/>
+        </p:nvSpPr>
+        <p:spPr>
+          <a:xfrm>
+            <a:off x="10645140" y="1054825"/>
+            <a:ext cx="513806" cy="287383"/>
+          </a:xfrm>
+          <a:prstGeom prst="rect">
+            <a:avLst/>
+          </a:prstGeom>
+          <a:solidFill>
+            <a:schemeClr val="bg1"/>
+          </a:solidFill>
+        </p:spPr>
+        <p:style>
+          <a:lnRef idx="2">
+            <a:schemeClr val="accent1">
+              <a:shade val="50000"/>
+            </a:schemeClr>
+          </a:lnRef>
+          <a:fillRef idx="1">
+            <a:schemeClr val="accent1"/>
+          </a:fillRef>
+          <a:effectRef idx="0">
+            <a:schemeClr val="accent1"/>
+          </a:effectRef>
+          <a:fontRef idx="minor">
+            <a:schemeClr val="lt1"/>
+          </a:fontRef>
+        </p:style>
+        <p:txBody>
+          <a:bodyPr rtlCol="0" anchor="ctr"/>
+          <a:lstStyle/>
+          <a:p>
+            <a:pPr algn="ctr"/>
+            <a:endParaRPr lang="ja-JP" altLang="en-US"/>
+          </a:p>
+        </p:txBody>
+      </p:sp>
+      <p:sp>
+        <p:nvSpPr>
+          <p:cNvPr id="20" name="テキスト ボックス 19">
+            <a:extLst>
+              <a:ext uri="{FF2B5EF4-FFF2-40B4-BE49-F238E27FC236}">
+                <a16:creationId xmlns:a16="http://schemas.microsoft.com/office/drawing/2014/main" id="{589F657F-90B1-4C92-90FE-A9FEF2F16C67}"/>
+              </a:ext>
+            </a:extLst>
+          </p:cNvPr>
+          <p:cNvSpPr txBox="1"/>
+          <p:nvPr/>
+        </p:nvSpPr>
+        <p:spPr>
+          <a:xfrm>
+            <a:off x="10091329" y="1025706"/>
+            <a:ext cx="552995" cy="369332"/>
+          </a:xfrm>
+          <a:prstGeom prst="rect">
+            <a:avLst/>
+          </a:prstGeom>
+          <a:noFill/>
+        </p:spPr>
+        <p:txBody>
+          <a:bodyPr rot="0" spcFirstLastPara="0" vertOverflow="overflow" horzOverflow="overflow" vert="horz" wrap="square" lIns="91440" tIns="45720" rIns="91440" bIns="45720" numCol="1" spcCol="0" rtlCol="0" fromWordArt="0" anchor="t" anchorCtr="0" forceAA="0" compatLnSpc="1">
+            <a:prstTxWarp prst="textNoShape">
+              <a:avLst/>
+            </a:prstTxWarp>
+            <a:spAutoFit/>
+          </a:bodyPr>
+          <a:lstStyle/>
+          <a:p>
+            <a:pPr algn="l"/>
+            <a:r>
+              <a:rPr lang="ja-JP" altLang="en-US">
+                <a:ea typeface="ＭＳ Ｐゴシック"/>
+                <a:cs typeface="Calibri"/>
+              </a:rPr>
+              <a:t>ako</a:t>
+            </a:r>
+          </a:p>
+        </p:txBody>
+      </p:sp>
+      <p:sp>
+        <p:nvSpPr>
+          <p:cNvPr id="21" name="正方形/長方形 20">
+            <a:extLst>
+              <a:ext uri="{FF2B5EF4-FFF2-40B4-BE49-F238E27FC236}">
+                <a16:creationId xmlns:a16="http://schemas.microsoft.com/office/drawing/2014/main" id="{A5A2DF30-4529-4BAE-876E-281EE044573B}"/>
+              </a:ext>
+            </a:extLst>
+          </p:cNvPr>
+          <p:cNvSpPr/>
+          <p:nvPr/>
+        </p:nvSpPr>
+        <p:spPr>
+          <a:xfrm>
+            <a:off x="810310" y="3919943"/>
+            <a:ext cx="1436914" cy="2360022"/>
+          </a:xfrm>
+          <a:prstGeom prst="rect">
+            <a:avLst/>
+          </a:prstGeom>
+          <a:solidFill>
+            <a:schemeClr val="bg1"/>
+          </a:solidFill>
+        </p:spPr>
+        <p:style>
+          <a:lnRef idx="2">
+            <a:schemeClr val="accent1">
+              <a:shade val="50000"/>
+            </a:schemeClr>
+          </a:lnRef>
+          <a:fillRef idx="1">
+            <a:schemeClr val="accent1"/>
+          </a:fillRef>
+          <a:effectRef idx="0">
+            <a:schemeClr val="accent1"/>
+          </a:effectRef>
+          <a:fontRef idx="minor">
+            <a:schemeClr val="lt1"/>
+          </a:fontRef>
+        </p:style>
+        <p:txBody>
+          <a:bodyPr rtlCol="0" anchor="ctr"/>
+          <a:lstStyle/>
+          <a:p>
+            <a:pPr algn="ctr"/>
+            <a:endParaRPr lang="ja-JP" altLang="en-US" dirty="0">
+              <a:solidFill>
+                <a:schemeClr val="tx1"/>
+              </a:solidFill>
+              <a:ea typeface="ＭＳ Ｐゴシック"/>
+              <a:cs typeface="Calibri"/>
+            </a:endParaRPr>
+          </a:p>
+          <a:p>
+            <a:pPr algn="ctr"/>
+            <a:endParaRPr lang="ja-JP" altLang="en-US" dirty="0">
+              <a:solidFill>
+                <a:schemeClr val="tx1"/>
+              </a:solidFill>
+              <a:ea typeface="ＭＳ Ｐゴシック"/>
+              <a:cs typeface="Calibri"/>
+            </a:endParaRPr>
+          </a:p>
+          <a:p>
+            <a:pPr algn="ctr"/>
+            <a:endParaRPr lang="ja-JP" altLang="en-US" dirty="0">
+              <a:solidFill>
+                <a:schemeClr val="tx1"/>
+              </a:solidFill>
+              <a:ea typeface="ＭＳ Ｐゴシック"/>
+              <a:cs typeface="Calibri"/>
+            </a:endParaRPr>
+          </a:p>
+          <a:p>
+            <a:pPr algn="ctr"/>
+            <a:endParaRPr lang="ja-JP" altLang="en-US" dirty="0">
+              <a:solidFill>
+                <a:schemeClr val="tx1"/>
+              </a:solidFill>
+              <a:ea typeface="ＭＳ Ｐゴシック"/>
+              <a:cs typeface="Calibri"/>
+            </a:endParaRPr>
+          </a:p>
+          <a:p>
+            <a:pPr algn="ctr"/>
+            <a:endParaRPr lang="ja-JP" altLang="en-US" dirty="0">
+              <a:solidFill>
+                <a:schemeClr val="tx1"/>
+              </a:solidFill>
+              <a:ea typeface="ＭＳ Ｐゴシック"/>
+              <a:cs typeface="Calibri"/>
+            </a:endParaRPr>
+          </a:p>
+          <a:p>
+            <a:pPr algn="ctr"/>
+            <a:endParaRPr lang="ja-JP" altLang="en-US" dirty="0">
+              <a:solidFill>
+                <a:schemeClr val="tx1"/>
+              </a:solidFill>
+              <a:ea typeface="ＭＳ Ｐゴシック"/>
+              <a:cs typeface="Calibri"/>
+            </a:endParaRPr>
+          </a:p>
+          <a:p>
+            <a:pPr algn="ctr"/>
+            <a:endParaRPr lang="ja-JP" altLang="en-US" dirty="0">
+              <a:solidFill>
+                <a:schemeClr val="tx1"/>
+              </a:solidFill>
+              <a:ea typeface="ＭＳ Ｐゴシック"/>
+              <a:cs typeface="Calibri"/>
+            </a:endParaRPr>
+          </a:p>
+          <a:p>
+            <a:pPr algn="ctr"/>
+            <a:endParaRPr lang="ja-JP" altLang="en-US" dirty="0">
+              <a:solidFill>
+                <a:schemeClr val="tx1"/>
+              </a:solidFill>
+              <a:ea typeface="ＭＳ Ｐゴシック"/>
+              <a:cs typeface="Calibri"/>
+            </a:endParaRPr>
+          </a:p>
+        </p:txBody>
+      </p:sp>
+      <p:sp>
+        <p:nvSpPr>
+          <p:cNvPr id="22" name="正方形/長方形 21">
+            <a:extLst>
+              <a:ext uri="{FF2B5EF4-FFF2-40B4-BE49-F238E27FC236}">
+                <a16:creationId xmlns:a16="http://schemas.microsoft.com/office/drawing/2014/main" id="{D3C7B784-6FFA-45F2-8BF6-B49308C9206C}"/>
+              </a:ext>
+            </a:extLst>
+          </p:cNvPr>
+          <p:cNvSpPr/>
+          <p:nvPr/>
+        </p:nvSpPr>
+        <p:spPr>
+          <a:xfrm>
+            <a:off x="4041594" y="926103"/>
+            <a:ext cx="448492" cy="261258"/>
+          </a:xfrm>
+          <a:prstGeom prst="rect">
+            <a:avLst/>
+          </a:prstGeom>
+          <a:solidFill>
+            <a:schemeClr val="bg1"/>
+          </a:solidFill>
+        </p:spPr>
+        <p:style>
+          <a:lnRef idx="2">
+            <a:schemeClr val="accent1">
+              <a:shade val="50000"/>
+            </a:schemeClr>
+          </a:lnRef>
+          <a:fillRef idx="1">
+            <a:schemeClr val="accent1"/>
+          </a:fillRef>
+          <a:effectRef idx="0">
+            <a:schemeClr val="accent1"/>
+          </a:effectRef>
+          <a:fontRef idx="minor">
+            <a:schemeClr val="lt1"/>
+          </a:fontRef>
+        </p:style>
+        <p:txBody>
+          <a:bodyPr rtlCol="0" anchor="ctr"/>
+          <a:lstStyle/>
+          <a:p>
+            <a:pPr algn="ctr"/>
+            <a:endParaRPr lang="ja-JP" altLang="en-US"/>
+          </a:p>
+        </p:txBody>
+      </p:sp>
+      <p:sp>
+        <p:nvSpPr>
+          <p:cNvPr id="23" name="テキスト ボックス 22">
+            <a:extLst>
+              <a:ext uri="{FF2B5EF4-FFF2-40B4-BE49-F238E27FC236}">
+                <a16:creationId xmlns:a16="http://schemas.microsoft.com/office/drawing/2014/main" id="{17725C73-DB48-459A-9630-53EAB6247880}"/>
+              </a:ext>
+            </a:extLst>
+          </p:cNvPr>
+          <p:cNvSpPr txBox="1"/>
+          <p:nvPr/>
+        </p:nvSpPr>
+        <p:spPr>
+          <a:xfrm>
+            <a:off x="3187338" y="870858"/>
+            <a:ext cx="722812" cy="369332"/>
+          </a:xfrm>
+          <a:prstGeom prst="rect">
+            <a:avLst/>
+          </a:prstGeom>
+          <a:noFill/>
+        </p:spPr>
+        <p:txBody>
+          <a:bodyPr rot="0" spcFirstLastPara="0" vertOverflow="overflow" horzOverflow="overflow" vert="horz" wrap="square" lIns="91440" tIns="45720" rIns="91440" bIns="45720" numCol="1" spcCol="0" rtlCol="0" fromWordArt="0" anchor="t" anchorCtr="0" forceAA="0" compatLnSpc="1">
+            <a:prstTxWarp prst="textNoShape">
+              <a:avLst/>
+            </a:prstTxWarp>
+            <a:spAutoFit/>
+          </a:bodyPr>
+          <a:lstStyle/>
+          <a:p>
+            <a:pPr algn="l"/>
+            <a:r>
+              <a:rPr lang="ja-JP" altLang="en-US">
+                <a:ea typeface="ＭＳ Ｐゴシック"/>
+                <a:cs typeface="Calibri"/>
+              </a:rPr>
+              <a:t>武器</a:t>
+            </a:r>
+          </a:p>
+        </p:txBody>
+      </p:sp>
+      <p:sp>
+        <p:nvSpPr>
+          <p:cNvPr id="24" name="テキスト ボックス 23">
+            <a:extLst>
+              <a:ext uri="{FF2B5EF4-FFF2-40B4-BE49-F238E27FC236}">
+                <a16:creationId xmlns:a16="http://schemas.microsoft.com/office/drawing/2014/main" id="{FCC217D1-B136-41A0-B46C-108880B21A99}"/>
+              </a:ext>
+            </a:extLst>
+          </p:cNvPr>
+          <p:cNvSpPr txBox="1"/>
+          <p:nvPr/>
+        </p:nvSpPr>
+        <p:spPr>
+          <a:xfrm>
+            <a:off x="4031253" y="917938"/>
+            <a:ext cx="775063" cy="276999"/>
+          </a:xfrm>
+          <a:prstGeom prst="rect">
+            <a:avLst/>
+          </a:prstGeom>
+          <a:noFill/>
+        </p:spPr>
+        <p:txBody>
+          <a:bodyPr rot="0" spcFirstLastPara="0" vertOverflow="overflow" horzOverflow="overflow" vert="horz" wrap="square" lIns="91440" tIns="45720" rIns="91440" bIns="45720" numCol="1" spcCol="0" rtlCol="0" fromWordArt="0" anchor="t" anchorCtr="0" forceAA="0" compatLnSpc="1">
+            <a:prstTxWarp prst="textNoShape">
+              <a:avLst/>
+            </a:prstTxWarp>
+            <a:spAutoFit/>
+          </a:bodyPr>
+          <a:lstStyle/>
+          <a:p>
+            <a:pPr algn="l"/>
+            <a:r>
+              <a:rPr lang="ja-JP" altLang="en-US" sz="1200">
+                <a:ea typeface="ＭＳ Ｐゴシック"/>
+                <a:cs typeface="Calibri"/>
+              </a:rPr>
+              <a:t>false</a:t>
+            </a:r>
+          </a:p>
+        </p:txBody>
+      </p:sp>
+      <p:cxnSp>
+        <p:nvCxnSpPr>
+          <p:cNvPr id="5" name="直線矢印コネクタ 4">
+            <a:extLst>
+              <a:ext uri="{FF2B5EF4-FFF2-40B4-BE49-F238E27FC236}">
+                <a16:creationId xmlns:a16="http://schemas.microsoft.com/office/drawing/2014/main" id="{C62D89BC-1EEC-4196-B07D-5D5E3282F25E}"/>
+              </a:ext>
+            </a:extLst>
+          </p:cNvPr>
+          <p:cNvCxnSpPr/>
+          <p:nvPr/>
+        </p:nvCxnSpPr>
+        <p:spPr>
+          <a:xfrm flipV="1">
+            <a:off x="2044065" y="2024472"/>
+            <a:ext cx="1436915" cy="1393369"/>
+          </a:xfrm>
+          <a:prstGeom prst="straightConnector1">
+            <a:avLst/>
+          </a:prstGeom>
+          <a:ln>
+            <a:solidFill>
+              <a:schemeClr val="tx1"/>
+            </a:solidFill>
+            <a:tailEnd type="triangle"/>
+          </a:ln>
+        </p:spPr>
+        <p:style>
+          <a:lnRef idx="1">
+            <a:schemeClr val="accent1"/>
+          </a:lnRef>
+          <a:fillRef idx="0">
+            <a:schemeClr val="accent1"/>
+          </a:fillRef>
+          <a:effectRef idx="0">
+            <a:schemeClr val="accent1"/>
+          </a:effectRef>
+          <a:fontRef idx="minor">
+            <a:schemeClr val="tx1"/>
+          </a:fontRef>
+        </p:style>
+      </p:cxnSp>
+      <p:cxnSp>
+        <p:nvCxnSpPr>
+          <p:cNvPr id="16" name="直線矢印コネクタ 15">
+            <a:extLst>
+              <a:ext uri="{FF2B5EF4-FFF2-40B4-BE49-F238E27FC236}">
+                <a16:creationId xmlns:a16="http://schemas.microsoft.com/office/drawing/2014/main" id="{99ADF5B5-D988-4A76-8366-AB31A203BEE0}"/>
+              </a:ext>
+            </a:extLst>
+          </p:cNvPr>
+          <p:cNvCxnSpPr/>
+          <p:nvPr/>
+        </p:nvCxnSpPr>
+        <p:spPr>
+          <a:xfrm flipH="1" flipV="1">
+            <a:off x="3811361" y="2028281"/>
+            <a:ext cx="296090" cy="1332411"/>
+          </a:xfrm>
+          <a:prstGeom prst="straightConnector1">
+            <a:avLst/>
+          </a:prstGeom>
+          <a:ln>
+            <a:solidFill>
+              <a:schemeClr val="tx1"/>
+            </a:solidFill>
+            <a:tailEnd type="triangle"/>
+          </a:ln>
+        </p:spPr>
+        <p:style>
+          <a:lnRef idx="1">
+            <a:schemeClr val="accent1"/>
+          </a:lnRef>
+          <a:fillRef idx="0">
+            <a:schemeClr val="accent1"/>
+          </a:fillRef>
+          <a:effectRef idx="0">
+            <a:schemeClr val="accent1"/>
+          </a:effectRef>
+          <a:fontRef idx="minor">
+            <a:schemeClr val="tx1"/>
+          </a:fontRef>
+        </p:style>
+      </p:cxnSp>
+      <p:cxnSp>
+        <p:nvCxnSpPr>
+          <p:cNvPr id="17" name="直線矢印コネクタ 16">
+            <a:extLst>
+              <a:ext uri="{FF2B5EF4-FFF2-40B4-BE49-F238E27FC236}">
+                <a16:creationId xmlns:a16="http://schemas.microsoft.com/office/drawing/2014/main" id="{2FF4B76F-B204-45D3-86BD-2EA73CB244CB}"/>
+              </a:ext>
+            </a:extLst>
+          </p:cNvPr>
+          <p:cNvCxnSpPr/>
+          <p:nvPr/>
+        </p:nvCxnSpPr>
+        <p:spPr>
+          <a:xfrm flipH="1" flipV="1">
+            <a:off x="4089219" y="2031820"/>
+            <a:ext cx="1915885" cy="1449975"/>
+          </a:xfrm>
+          <a:prstGeom prst="straightConnector1">
+            <a:avLst/>
+          </a:prstGeom>
+          <a:ln>
+            <a:solidFill>
+              <a:schemeClr val="tx1"/>
+            </a:solidFill>
+            <a:tailEnd type="triangle"/>
+          </a:ln>
+        </p:spPr>
+        <p:style>
+          <a:lnRef idx="1">
+            <a:schemeClr val="accent1"/>
+          </a:lnRef>
+          <a:fillRef idx="0">
+            <a:schemeClr val="accent1"/>
+          </a:fillRef>
+          <a:effectRef idx="0">
+            <a:schemeClr val="accent1"/>
+          </a:effectRef>
+          <a:fontRef idx="minor">
+            <a:schemeClr val="tx1"/>
+          </a:fontRef>
+        </p:style>
+      </p:cxnSp>
+      <p:sp>
+        <p:nvSpPr>
+          <p:cNvPr id="13" name="正方形/長方形 12">
+            <a:extLst>
+              <a:ext uri="{FF2B5EF4-FFF2-40B4-BE49-F238E27FC236}">
+                <a16:creationId xmlns:a16="http://schemas.microsoft.com/office/drawing/2014/main" id="{C79A2C4A-AD68-4147-AE56-B2187948B041}"/>
+              </a:ext>
+            </a:extLst>
+          </p:cNvPr>
+          <p:cNvSpPr/>
+          <p:nvPr/>
+        </p:nvSpPr>
+        <p:spPr>
+          <a:xfrm>
+            <a:off x="4036423" y="1260564"/>
+            <a:ext cx="465911" cy="235133"/>
+          </a:xfrm>
+          <a:prstGeom prst="rect">
+            <a:avLst/>
+          </a:prstGeom>
+          <a:solidFill>
+            <a:schemeClr val="bg1"/>
+          </a:solidFill>
+        </p:spPr>
+        <p:style>
+          <a:lnRef idx="2">
+            <a:schemeClr val="accent1">
+              <a:shade val="50000"/>
+            </a:schemeClr>
+          </a:lnRef>
+          <a:fillRef idx="1">
+            <a:schemeClr val="accent1"/>
+          </a:fillRef>
+          <a:effectRef idx="0">
+            <a:schemeClr val="accent1"/>
+          </a:effectRef>
+          <a:fontRef idx="minor">
+            <a:schemeClr val="lt1"/>
+          </a:fontRef>
+        </p:style>
+        <p:txBody>
+          <a:bodyPr rtlCol="0" anchor="ctr"/>
+          <a:lstStyle/>
+          <a:p>
+            <a:pPr algn="ctr"/>
+            <a:endParaRPr lang="ja-JP" altLang="en-US"/>
+          </a:p>
+        </p:txBody>
+      </p:sp>
+      <p:sp>
+        <p:nvSpPr>
+          <p:cNvPr id="25" name="テキスト ボックス 24">
+            <a:extLst>
+              <a:ext uri="{FF2B5EF4-FFF2-40B4-BE49-F238E27FC236}">
+                <a16:creationId xmlns:a16="http://schemas.microsoft.com/office/drawing/2014/main" id="{14F267F1-548E-4D31-9140-8B3C0D3D4699}"/>
+              </a:ext>
+            </a:extLst>
+          </p:cNvPr>
+          <p:cNvSpPr txBox="1"/>
+          <p:nvPr/>
+        </p:nvSpPr>
+        <p:spPr>
+          <a:xfrm>
+            <a:off x="3203939" y="1205319"/>
+            <a:ext cx="705395" cy="373686"/>
+          </a:xfrm>
+          <a:prstGeom prst="rect">
+            <a:avLst/>
+          </a:prstGeom>
+          <a:noFill/>
+        </p:spPr>
+        <p:txBody>
+          <a:bodyPr rot="0" spcFirstLastPara="0" vertOverflow="overflow" horzOverflow="overflow" vert="horz" wrap="square" lIns="91440" tIns="45720" rIns="91440" bIns="45720" numCol="1" spcCol="0" rtlCol="0" fromWordArt="0" anchor="t" anchorCtr="0" forceAA="0" compatLnSpc="1">
+            <a:prstTxWarp prst="textNoShape">
+              <a:avLst/>
+            </a:prstTxWarp>
+            <a:spAutoFit/>
+          </a:bodyPr>
+          <a:lstStyle/>
+          <a:p>
+            <a:pPr algn="l"/>
+            <a:r>
+              <a:rPr lang="ja-JP" altLang="en-US">
+                <a:ea typeface="ＭＳ Ｐゴシック"/>
+                <a:cs typeface="Calibri"/>
+              </a:rPr>
+              <a:t>性別</a:t>
+            </a:r>
+            <a:endParaRPr lang="ja-JP" altLang="en-US" dirty="0">
+              <a:ea typeface="ＭＳ Ｐゴシック"/>
+              <a:cs typeface="Calibri"/>
+            </a:endParaRPr>
+          </a:p>
+        </p:txBody>
+      </p:sp>
+      <p:sp>
+        <p:nvSpPr>
+          <p:cNvPr id="26" name="テキスト ボックス 25">
+            <a:extLst>
+              <a:ext uri="{FF2B5EF4-FFF2-40B4-BE49-F238E27FC236}">
+                <a16:creationId xmlns:a16="http://schemas.microsoft.com/office/drawing/2014/main" id="{911512A0-4590-49D2-999E-74CC2777F15F}"/>
+              </a:ext>
+            </a:extLst>
+          </p:cNvPr>
+          <p:cNvSpPr txBox="1"/>
+          <p:nvPr/>
+        </p:nvSpPr>
+        <p:spPr>
+          <a:xfrm>
+            <a:off x="4034790" y="1261110"/>
+            <a:ext cx="470263" cy="246221"/>
+          </a:xfrm>
+          <a:prstGeom prst="rect">
+            <a:avLst/>
+          </a:prstGeom>
+          <a:noFill/>
+        </p:spPr>
+        <p:txBody>
+          <a:bodyPr rot="0" spcFirstLastPara="0" vertOverflow="overflow" horzOverflow="overflow" vert="horz" wrap="square" lIns="91440" tIns="45720" rIns="91440" bIns="45720" numCol="1" spcCol="0" rtlCol="0" fromWordArt="0" anchor="t" anchorCtr="0" forceAA="0" compatLnSpc="1">
+            <a:prstTxWarp prst="textNoShape">
+              <a:avLst/>
+            </a:prstTxWarp>
+            <a:spAutoFit/>
+          </a:bodyPr>
+          <a:lstStyle/>
+          <a:p>
+            <a:pPr algn="l"/>
+            <a:r>
+              <a:rPr lang="ja-JP" altLang="en-US" sz="1000">
+                <a:ea typeface="ＭＳ Ｐゴシック"/>
+                <a:cs typeface="Calibri"/>
+              </a:rPr>
+              <a:t>不明</a:t>
+            </a:r>
+            <a:endParaRPr lang="ja-JP" altLang="en-US" sz="1000" dirty="0">
+              <a:ea typeface="ＭＳ Ｐゴシック"/>
+              <a:cs typeface="Calibri"/>
+            </a:endParaRPr>
+          </a:p>
+        </p:txBody>
+      </p:sp>
+      <p:sp>
+        <p:nvSpPr>
+          <p:cNvPr id="27" name="テキスト ボックス 26">
+            <a:extLst>
+              <a:ext uri="{FF2B5EF4-FFF2-40B4-BE49-F238E27FC236}">
+                <a16:creationId xmlns:a16="http://schemas.microsoft.com/office/drawing/2014/main" id="{951E0547-D50E-4851-B4D2-8DEE985B39F1}"/>
+              </a:ext>
+            </a:extLst>
+          </p:cNvPr>
+          <p:cNvSpPr txBox="1"/>
+          <p:nvPr/>
+        </p:nvSpPr>
+        <p:spPr>
+          <a:xfrm>
+            <a:off x="916305" y="4438921"/>
+            <a:ext cx="592183" cy="369332"/>
+          </a:xfrm>
+          <a:prstGeom prst="rect">
+            <a:avLst/>
+          </a:prstGeom>
+          <a:noFill/>
+        </p:spPr>
+        <p:txBody>
+          <a:bodyPr rot="0" spcFirstLastPara="0" vertOverflow="overflow" horzOverflow="overflow" vert="horz" wrap="square" lIns="91440" tIns="45720" rIns="91440" bIns="45720" numCol="1" spcCol="0" rtlCol="0" fromWordArt="0" anchor="t" anchorCtr="0" forceAA="0" compatLnSpc="1">
+            <a:prstTxWarp prst="textNoShape">
+              <a:avLst/>
+            </a:prstTxWarp>
+            <a:spAutoFit/>
+          </a:bodyPr>
+          <a:lstStyle/>
+          <a:p>
+            <a:pPr algn="l"/>
+            <a:r>
+              <a:rPr lang="ja-JP" altLang="en-US">
+                <a:ea typeface="ＭＳ Ｐゴシック"/>
+                <a:cs typeface="Calibri"/>
+              </a:rPr>
+              <a:t>is-a</a:t>
+            </a:r>
+            <a:endParaRPr lang="ja-JP" altLang="en-US" dirty="0">
+              <a:ea typeface="ＭＳ Ｐゴシック"/>
+              <a:cs typeface="Calibri"/>
+            </a:endParaRPr>
+          </a:p>
+        </p:txBody>
+      </p:sp>
+      <p:sp>
+        <p:nvSpPr>
+          <p:cNvPr id="28" name="正方形/長方形 27">
+            <a:extLst>
+              <a:ext uri="{FF2B5EF4-FFF2-40B4-BE49-F238E27FC236}">
+                <a16:creationId xmlns:a16="http://schemas.microsoft.com/office/drawing/2014/main" id="{285CB686-F95D-4ECC-9ABD-FE98888E3FF9}"/>
+              </a:ext>
+            </a:extLst>
+          </p:cNvPr>
+          <p:cNvSpPr/>
+          <p:nvPr/>
+        </p:nvSpPr>
+        <p:spPr>
+          <a:xfrm>
+            <a:off x="1551214" y="4496889"/>
+            <a:ext cx="635726" cy="313509"/>
+          </a:xfrm>
+          <a:prstGeom prst="rect">
+            <a:avLst/>
+          </a:prstGeom>
+          <a:solidFill>
+            <a:schemeClr val="bg1"/>
+          </a:solidFill>
+        </p:spPr>
+        <p:style>
+          <a:lnRef idx="2">
+            <a:schemeClr val="accent1">
+              <a:shade val="50000"/>
+            </a:schemeClr>
+          </a:lnRef>
+          <a:fillRef idx="1">
+            <a:schemeClr val="accent1"/>
+          </a:fillRef>
+          <a:effectRef idx="0">
+            <a:schemeClr val="accent1"/>
+          </a:effectRef>
+          <a:fontRef idx="minor">
+            <a:schemeClr val="lt1"/>
+          </a:fontRef>
+        </p:style>
+        <p:txBody>
+          <a:bodyPr rtlCol="0" anchor="ctr"/>
+          <a:lstStyle/>
+          <a:p>
+            <a:pPr algn="ctr"/>
+            <a:endParaRPr lang="ja-JP" altLang="en-US"/>
+          </a:p>
+        </p:txBody>
+      </p:sp>
+      <p:sp>
+        <p:nvSpPr>
+          <p:cNvPr id="29" name="テキスト ボックス 28">
+            <a:extLst>
+              <a:ext uri="{FF2B5EF4-FFF2-40B4-BE49-F238E27FC236}">
+                <a16:creationId xmlns:a16="http://schemas.microsoft.com/office/drawing/2014/main" id="{F9FD96E7-B79C-4CA9-AE17-93FB610E1EE9}"/>
+              </a:ext>
+            </a:extLst>
+          </p:cNvPr>
+          <p:cNvSpPr txBox="1"/>
+          <p:nvPr/>
+        </p:nvSpPr>
+        <p:spPr>
+          <a:xfrm>
+            <a:off x="919027" y="4907551"/>
+            <a:ext cx="583474" cy="307777"/>
+          </a:xfrm>
+          <a:prstGeom prst="rect">
+            <a:avLst/>
+          </a:prstGeom>
+          <a:noFill/>
+        </p:spPr>
+        <p:txBody>
+          <a:bodyPr rot="0" spcFirstLastPara="0" vertOverflow="overflow" horzOverflow="overflow" vert="horz" wrap="square" lIns="91440" tIns="45720" rIns="91440" bIns="45720" numCol="1" spcCol="0" rtlCol="0" fromWordArt="0" anchor="t" anchorCtr="0" forceAA="0" compatLnSpc="1">
+            <a:prstTxWarp prst="textNoShape">
+              <a:avLst/>
+            </a:prstTxWarp>
+            <a:spAutoFit/>
+          </a:bodyPr>
+          <a:lstStyle/>
+          <a:p>
+            <a:pPr algn="l"/>
+            <a:r>
+              <a:rPr lang="ja-JP" altLang="en-US" sz="1400">
+                <a:ea typeface="ＭＳ Ｐゴシック"/>
+                <a:cs typeface="Calibri"/>
+              </a:rPr>
+              <a:t>武器</a:t>
+            </a:r>
+            <a:endParaRPr lang="ja-JP" altLang="en-US" sz="1400" dirty="0">
+              <a:ea typeface="ＭＳ Ｐゴシック"/>
+              <a:cs typeface="Calibri"/>
+            </a:endParaRPr>
+          </a:p>
+        </p:txBody>
+      </p:sp>
+      <p:sp>
+        <p:nvSpPr>
+          <p:cNvPr id="30" name="正方形/長方形 29">
+            <a:extLst>
+              <a:ext uri="{FF2B5EF4-FFF2-40B4-BE49-F238E27FC236}">
+                <a16:creationId xmlns:a16="http://schemas.microsoft.com/office/drawing/2014/main" id="{8DF8EF98-5588-4E14-B8C9-3DA3DBAE9B2F}"/>
+              </a:ext>
+            </a:extLst>
+          </p:cNvPr>
+          <p:cNvSpPr/>
+          <p:nvPr/>
+        </p:nvSpPr>
+        <p:spPr>
+          <a:xfrm>
+            <a:off x="4040233" y="1634490"/>
+            <a:ext cx="474618" cy="243841"/>
+          </a:xfrm>
+          <a:prstGeom prst="rect">
+            <a:avLst/>
+          </a:prstGeom>
+          <a:solidFill>
+            <a:schemeClr val="bg1"/>
+          </a:solidFill>
+        </p:spPr>
+        <p:style>
+          <a:lnRef idx="2">
+            <a:schemeClr val="accent1">
+              <a:shade val="50000"/>
+            </a:schemeClr>
+          </a:lnRef>
+          <a:fillRef idx="1">
+            <a:schemeClr val="accent1"/>
+          </a:fillRef>
+          <a:effectRef idx="0">
+            <a:schemeClr val="accent1"/>
+          </a:effectRef>
+          <a:fontRef idx="minor">
+            <a:schemeClr val="lt1"/>
+          </a:fontRef>
+        </p:style>
+        <p:txBody>
+          <a:bodyPr rtlCol="0" anchor="ctr"/>
+          <a:lstStyle/>
+          <a:p>
+            <a:pPr algn="ctr"/>
+            <a:r>
+              <a:rPr lang="ja-JP" altLang="en-US" sz="1000">
+                <a:solidFill>
+                  <a:schemeClr val="tx1"/>
+                </a:solidFill>
+                <a:ea typeface="ＭＳ Ｐゴシック"/>
+                <a:cs typeface="Calibri"/>
+              </a:rPr>
+              <a:t>不明</a:t>
+            </a:r>
+            <a:endParaRPr lang="ja-JP" altLang="en-US" sz="1000" dirty="0">
+              <a:solidFill>
+                <a:schemeClr val="tx1"/>
+              </a:solidFill>
+              <a:ea typeface="ＭＳ Ｐゴシック"/>
+              <a:cs typeface="Calibri"/>
+            </a:endParaRPr>
+          </a:p>
+        </p:txBody>
+      </p:sp>
+      <p:sp>
+        <p:nvSpPr>
+          <p:cNvPr id="31" name="テキスト ボックス 30">
+            <a:extLst>
+              <a:ext uri="{FF2B5EF4-FFF2-40B4-BE49-F238E27FC236}">
+                <a16:creationId xmlns:a16="http://schemas.microsoft.com/office/drawing/2014/main" id="{9C864D45-5B71-4C0B-A7DA-0921F85B447F}"/>
+              </a:ext>
+            </a:extLst>
+          </p:cNvPr>
+          <p:cNvSpPr txBox="1"/>
+          <p:nvPr/>
+        </p:nvSpPr>
+        <p:spPr>
+          <a:xfrm>
+            <a:off x="2885531" y="1579245"/>
+            <a:ext cx="1114698" cy="369332"/>
+          </a:xfrm>
+          <a:prstGeom prst="rect">
+            <a:avLst/>
+          </a:prstGeom>
+          <a:noFill/>
+        </p:spPr>
+        <p:txBody>
+          <a:bodyPr rot="0" spcFirstLastPara="0" vertOverflow="overflow" horzOverflow="overflow" vert="horz" wrap="square" lIns="91440" tIns="45720" rIns="91440" bIns="45720" numCol="1" spcCol="0" rtlCol="0" fromWordArt="0" anchor="t" anchorCtr="0" forceAA="0" compatLnSpc="1">
+            <a:prstTxWarp prst="textNoShape">
+              <a:avLst/>
+            </a:prstTxWarp>
+            <a:spAutoFit/>
+          </a:bodyPr>
+          <a:lstStyle/>
+          <a:p>
+            <a:pPr algn="l"/>
+            <a:r>
+              <a:rPr lang="ja-JP" altLang="en-US">
+                <a:ea typeface="ＭＳ Ｐゴシック"/>
+                <a:cs typeface="Calibri"/>
+              </a:rPr>
+              <a:t>タイトル</a:t>
+            </a:r>
+            <a:endParaRPr lang="ja-JP" altLang="en-US" dirty="0">
+              <a:ea typeface="ＭＳ Ｐゴシック"/>
+              <a:cs typeface="Calibri"/>
+            </a:endParaRPr>
+          </a:p>
+        </p:txBody>
+      </p:sp>
+      <p:sp>
+        <p:nvSpPr>
+          <p:cNvPr id="32" name="正方形/長方形 31">
+            <a:extLst>
+              <a:ext uri="{FF2B5EF4-FFF2-40B4-BE49-F238E27FC236}">
+                <a16:creationId xmlns:a16="http://schemas.microsoft.com/office/drawing/2014/main" id="{A3362577-63A3-4F62-88CF-71647F4CBDFA}"/>
+              </a:ext>
+            </a:extLst>
+          </p:cNvPr>
+          <p:cNvSpPr/>
+          <p:nvPr/>
+        </p:nvSpPr>
+        <p:spPr>
+          <a:xfrm>
+            <a:off x="1552303" y="4915989"/>
+            <a:ext cx="631371" cy="269966"/>
+          </a:xfrm>
+          <a:prstGeom prst="rect">
+            <a:avLst/>
+          </a:prstGeom>
+          <a:solidFill>
+            <a:schemeClr val="bg1"/>
+          </a:solidFill>
+        </p:spPr>
+        <p:style>
+          <a:lnRef idx="2">
+            <a:schemeClr val="accent1">
+              <a:shade val="50000"/>
+            </a:schemeClr>
+          </a:lnRef>
+          <a:fillRef idx="1">
+            <a:schemeClr val="accent1"/>
+          </a:fillRef>
+          <a:effectRef idx="0">
+            <a:schemeClr val="accent1"/>
+          </a:effectRef>
+          <a:fontRef idx="minor">
+            <a:schemeClr val="lt1"/>
+          </a:fontRef>
+        </p:style>
+        <p:txBody>
+          <a:bodyPr rtlCol="0" anchor="ctr"/>
+          <a:lstStyle/>
+          <a:p>
+            <a:pPr algn="ctr"/>
+            <a:r>
+              <a:rPr lang="en-US" altLang="ja-JP" sz="1400" dirty="0">
+                <a:solidFill>
+                  <a:schemeClr val="tx1"/>
+                </a:solidFill>
+              </a:rPr>
+              <a:t>false</a:t>
+            </a:r>
+            <a:endParaRPr lang="ja-JP" altLang="en-US" sz="1400" dirty="0">
+              <a:solidFill>
+                <a:schemeClr val="tx1"/>
+              </a:solidFill>
+            </a:endParaRPr>
+          </a:p>
+        </p:txBody>
+      </p:sp>
+      <p:sp>
+        <p:nvSpPr>
+          <p:cNvPr id="33" name="テキスト ボックス 32">
+            <a:extLst>
+              <a:ext uri="{FF2B5EF4-FFF2-40B4-BE49-F238E27FC236}">
+                <a16:creationId xmlns:a16="http://schemas.microsoft.com/office/drawing/2014/main" id="{F4F23AC0-3291-4AEC-B867-B9B5A70E354A}"/>
+              </a:ext>
+            </a:extLst>
+          </p:cNvPr>
+          <p:cNvSpPr txBox="1"/>
+          <p:nvPr/>
+        </p:nvSpPr>
+        <p:spPr>
+          <a:xfrm>
+            <a:off x="928823" y="5309235"/>
+            <a:ext cx="622664" cy="312131"/>
+          </a:xfrm>
+          <a:prstGeom prst="rect">
+            <a:avLst/>
+          </a:prstGeom>
+          <a:noFill/>
+        </p:spPr>
+        <p:txBody>
+          <a:bodyPr rot="0" spcFirstLastPara="0" vertOverflow="overflow" horzOverflow="overflow" vert="horz" wrap="square" lIns="91440" tIns="45720" rIns="91440" bIns="45720" numCol="1" spcCol="0" rtlCol="0" fromWordArt="0" anchor="t" anchorCtr="0" forceAA="0" compatLnSpc="1">
+            <a:prstTxWarp prst="textNoShape">
+              <a:avLst/>
+            </a:prstTxWarp>
+            <a:spAutoFit/>
+          </a:bodyPr>
+          <a:lstStyle/>
+          <a:p>
+            <a:pPr algn="l"/>
+            <a:r>
+              <a:rPr lang="ja-JP" altLang="en-US" sz="1400">
+                <a:ea typeface="ＭＳ Ｐゴシック"/>
+                <a:cs typeface="Calibri"/>
+              </a:rPr>
+              <a:t>性別</a:t>
+            </a:r>
+            <a:endParaRPr lang="ja-JP" altLang="en-US" sz="1400" dirty="0">
+              <a:ea typeface="ＭＳ Ｐゴシック"/>
+              <a:cs typeface="Calibri"/>
+            </a:endParaRPr>
+          </a:p>
+        </p:txBody>
+      </p:sp>
+      <p:sp>
+        <p:nvSpPr>
+          <p:cNvPr id="34" name="テキスト ボックス 33">
+            <a:extLst>
+              <a:ext uri="{FF2B5EF4-FFF2-40B4-BE49-F238E27FC236}">
+                <a16:creationId xmlns:a16="http://schemas.microsoft.com/office/drawing/2014/main" id="{CE46C0A2-5B46-44C1-94EE-E08F0B0C99F3}"/>
+              </a:ext>
+            </a:extLst>
+          </p:cNvPr>
+          <p:cNvSpPr txBox="1"/>
+          <p:nvPr/>
+        </p:nvSpPr>
+        <p:spPr>
+          <a:xfrm>
+            <a:off x="914944" y="5730785"/>
+            <a:ext cx="896983" cy="276999"/>
+          </a:xfrm>
+          <a:prstGeom prst="rect">
+            <a:avLst/>
+          </a:prstGeom>
+          <a:noFill/>
+        </p:spPr>
+        <p:txBody>
+          <a:bodyPr rot="0" spcFirstLastPara="0" vertOverflow="overflow" horzOverflow="overflow" vert="horz" wrap="square" lIns="91440" tIns="45720" rIns="91440" bIns="45720" numCol="1" spcCol="0" rtlCol="0" fromWordArt="0" anchor="t" anchorCtr="0" forceAA="0" compatLnSpc="1">
+            <a:prstTxWarp prst="textNoShape">
+              <a:avLst/>
+            </a:prstTxWarp>
+            <a:spAutoFit/>
+          </a:bodyPr>
+          <a:lstStyle/>
+          <a:p>
+            <a:pPr algn="l"/>
+            <a:r>
+              <a:rPr lang="ja-JP" altLang="en-US" sz="1200">
+                <a:ea typeface="ＭＳ Ｐゴシック"/>
+                <a:cs typeface="Calibri"/>
+              </a:rPr>
+              <a:t>タイトル</a:t>
+            </a:r>
+            <a:endParaRPr lang="ja-JP" altLang="en-US" sz="1200" dirty="0">
+              <a:ea typeface="ＭＳ Ｐゴシック"/>
+              <a:cs typeface="Calibri"/>
+            </a:endParaRPr>
+          </a:p>
+        </p:txBody>
+      </p:sp>
+      <p:sp>
+        <p:nvSpPr>
+          <p:cNvPr id="35" name="正方形/長方形 34">
+            <a:extLst>
+              <a:ext uri="{FF2B5EF4-FFF2-40B4-BE49-F238E27FC236}">
+                <a16:creationId xmlns:a16="http://schemas.microsoft.com/office/drawing/2014/main" id="{C938FB62-296D-4DF9-9713-0BC4CA36F468}"/>
+              </a:ext>
+            </a:extLst>
+          </p:cNvPr>
+          <p:cNvSpPr/>
+          <p:nvPr/>
+        </p:nvSpPr>
+        <p:spPr>
+          <a:xfrm>
+            <a:off x="1554208" y="5318489"/>
+            <a:ext cx="622663" cy="304800"/>
+          </a:xfrm>
+          <a:prstGeom prst="rect">
+            <a:avLst/>
+          </a:prstGeom>
+          <a:solidFill>
+            <a:schemeClr val="bg1"/>
+          </a:solidFill>
+        </p:spPr>
+        <p:style>
+          <a:lnRef idx="2">
+            <a:schemeClr val="accent1">
+              <a:shade val="50000"/>
+            </a:schemeClr>
+          </a:lnRef>
+          <a:fillRef idx="1">
+            <a:schemeClr val="accent1"/>
+          </a:fillRef>
+          <a:effectRef idx="0">
+            <a:schemeClr val="accent1"/>
+          </a:effectRef>
+          <a:fontRef idx="minor">
+            <a:schemeClr val="lt1"/>
+          </a:fontRef>
+        </p:style>
+        <p:txBody>
+          <a:bodyPr rtlCol="0" anchor="ctr"/>
+          <a:lstStyle/>
+          <a:p>
+            <a:pPr algn="ctr"/>
+            <a:r>
+              <a:rPr lang="ja-JP" altLang="en-US" sz="1400" dirty="0">
+                <a:solidFill>
+                  <a:schemeClr val="tx1"/>
+                </a:solidFill>
+                <a:ea typeface="ＭＳ Ｐゴシック"/>
+                <a:cs typeface="Calibri"/>
+              </a:rPr>
+              <a:t>不明</a:t>
+            </a:r>
+          </a:p>
+        </p:txBody>
+      </p:sp>
+      <p:sp>
+        <p:nvSpPr>
+          <p:cNvPr id="36" name="正方形/長方形 35">
+            <a:extLst>
+              <a:ext uri="{FF2B5EF4-FFF2-40B4-BE49-F238E27FC236}">
+                <a16:creationId xmlns:a16="http://schemas.microsoft.com/office/drawing/2014/main" id="{5EB17778-F204-40C4-86D1-ACCB21B7E100}"/>
+              </a:ext>
+            </a:extLst>
+          </p:cNvPr>
+          <p:cNvSpPr/>
+          <p:nvPr/>
+        </p:nvSpPr>
+        <p:spPr>
+          <a:xfrm>
+            <a:off x="1714500" y="5731329"/>
+            <a:ext cx="478972" cy="261258"/>
+          </a:xfrm>
+          <a:prstGeom prst="rect">
+            <a:avLst/>
+          </a:prstGeom>
+          <a:solidFill>
+            <a:schemeClr val="bg1"/>
+          </a:solidFill>
+        </p:spPr>
+        <p:style>
+          <a:lnRef idx="2">
+            <a:schemeClr val="accent1">
+              <a:shade val="50000"/>
+            </a:schemeClr>
+          </a:lnRef>
+          <a:fillRef idx="1">
+            <a:schemeClr val="accent1"/>
+          </a:fillRef>
+          <a:effectRef idx="0">
+            <a:schemeClr val="accent1"/>
+          </a:effectRef>
+          <a:fontRef idx="minor">
+            <a:schemeClr val="lt1"/>
+          </a:fontRef>
+        </p:style>
+        <p:txBody>
+          <a:bodyPr rtlCol="0" anchor="ctr"/>
+          <a:lstStyle/>
+          <a:p>
+            <a:pPr algn="ctr"/>
+            <a:endParaRPr lang="ja-JP" altLang="en-US"/>
+          </a:p>
+        </p:txBody>
+      </p:sp>
+      <p:sp>
+        <p:nvSpPr>
+          <p:cNvPr id="37" name="正方形/長方形 36">
+            <a:extLst>
+              <a:ext uri="{FF2B5EF4-FFF2-40B4-BE49-F238E27FC236}">
+                <a16:creationId xmlns:a16="http://schemas.microsoft.com/office/drawing/2014/main" id="{89E31D23-DA5A-4A5D-BDA3-8C68AFDD8405}"/>
+              </a:ext>
+            </a:extLst>
+          </p:cNvPr>
+          <p:cNvSpPr/>
+          <p:nvPr/>
+        </p:nvSpPr>
+        <p:spPr>
+          <a:xfrm>
+            <a:off x="8689249" y="2042432"/>
+            <a:ext cx="1471749" cy="1018903"/>
+          </a:xfrm>
+          <a:prstGeom prst="rect">
+            <a:avLst/>
+          </a:prstGeom>
+          <a:solidFill>
+            <a:schemeClr val="bg1"/>
+          </a:solidFill>
+        </p:spPr>
+        <p:style>
+          <a:lnRef idx="2">
+            <a:schemeClr val="accent1">
+              <a:shade val="50000"/>
+            </a:schemeClr>
+          </a:lnRef>
+          <a:fillRef idx="1">
+            <a:schemeClr val="accent1"/>
+          </a:fillRef>
+          <a:effectRef idx="0">
+            <a:schemeClr val="accent1"/>
+          </a:effectRef>
+          <a:fontRef idx="minor">
+            <a:schemeClr val="lt1"/>
+          </a:fontRef>
+        </p:style>
+        <p:txBody>
+          <a:bodyPr rtlCol="0" anchor="ctr"/>
+          <a:lstStyle/>
+          <a:p>
+            <a:pPr algn="ctr"/>
+            <a:r>
+              <a:rPr lang="ja-JP" altLang="en-US" dirty="0">
+                <a:solidFill>
+                  <a:schemeClr val="tx1"/>
+                </a:solidFill>
+                <a:ea typeface="ＭＳ Ｐゴシック"/>
+                <a:cs typeface="Calibri"/>
+              </a:rPr>
+              <a:t>星のカービィ</a:t>
+            </a:r>
+          </a:p>
+          <a:p>
+            <a:pPr algn="ctr"/>
+            <a:endParaRPr lang="ja-JP" altLang="en-US" dirty="0">
+              <a:solidFill>
+                <a:schemeClr val="tx1"/>
+              </a:solidFill>
+              <a:ea typeface="ＭＳ Ｐゴシック"/>
+              <a:cs typeface="Calibri"/>
+            </a:endParaRPr>
+          </a:p>
+        </p:txBody>
+      </p:sp>
+      <p:sp>
+        <p:nvSpPr>
+          <p:cNvPr id="38" name="テキスト ボックス 37">
+            <a:extLst>
+              <a:ext uri="{FF2B5EF4-FFF2-40B4-BE49-F238E27FC236}">
+                <a16:creationId xmlns:a16="http://schemas.microsoft.com/office/drawing/2014/main" id="{70995A8E-27FB-4FBD-8EF9-127181FD3360}"/>
+              </a:ext>
+            </a:extLst>
+          </p:cNvPr>
+          <p:cNvSpPr txBox="1"/>
+          <p:nvPr/>
+        </p:nvSpPr>
+        <p:spPr>
+          <a:xfrm>
+            <a:off x="8797290" y="2605495"/>
+            <a:ext cx="522515" cy="378040"/>
+          </a:xfrm>
+          <a:prstGeom prst="rect">
+            <a:avLst/>
+          </a:prstGeom>
+          <a:noFill/>
+        </p:spPr>
+        <p:txBody>
+          <a:bodyPr rot="0" spcFirstLastPara="0" vertOverflow="overflow" horzOverflow="overflow" vert="horz" wrap="square" lIns="91440" tIns="45720" rIns="91440" bIns="45720" numCol="1" spcCol="0" rtlCol="0" fromWordArt="0" anchor="t" anchorCtr="0" forceAA="0" compatLnSpc="1">
+            <a:prstTxWarp prst="textNoShape">
+              <a:avLst/>
+            </a:prstTxWarp>
+            <a:spAutoFit/>
+          </a:bodyPr>
+          <a:lstStyle/>
+          <a:p>
+            <a:pPr algn="l"/>
+            <a:r>
+              <a:rPr lang="ja-JP" altLang="en-US">
+                <a:ea typeface="ＭＳ Ｐゴシック"/>
+                <a:cs typeface="Calibri"/>
+              </a:rPr>
+              <a:t>is-a</a:t>
+            </a:r>
+            <a:endParaRPr lang="ja-JP" altLang="en-US" dirty="0">
+              <a:ea typeface="ＭＳ Ｐゴシック"/>
+              <a:cs typeface="Calibri"/>
+            </a:endParaRPr>
+          </a:p>
+        </p:txBody>
+      </p:sp>
+      <p:sp>
+        <p:nvSpPr>
+          <p:cNvPr id="39" name="正方形/長方形 38">
+            <a:extLst>
+              <a:ext uri="{FF2B5EF4-FFF2-40B4-BE49-F238E27FC236}">
+                <a16:creationId xmlns:a16="http://schemas.microsoft.com/office/drawing/2014/main" id="{671216A2-273B-44A3-8AB2-891DB09A52A8}"/>
+              </a:ext>
+            </a:extLst>
+          </p:cNvPr>
+          <p:cNvSpPr/>
+          <p:nvPr/>
+        </p:nvSpPr>
+        <p:spPr>
+          <a:xfrm>
+            <a:off x="9353821" y="2606856"/>
+            <a:ext cx="579121" cy="317864"/>
+          </a:xfrm>
+          <a:prstGeom prst="rect">
+            <a:avLst/>
+          </a:prstGeom>
+          <a:solidFill>
+            <a:schemeClr val="bg1"/>
+          </a:solidFill>
+        </p:spPr>
+        <p:style>
+          <a:lnRef idx="2">
+            <a:schemeClr val="accent1">
+              <a:shade val="50000"/>
+            </a:schemeClr>
+          </a:lnRef>
+          <a:fillRef idx="1">
+            <a:schemeClr val="accent1"/>
+          </a:fillRef>
+          <a:effectRef idx="0">
+            <a:schemeClr val="accent1"/>
+          </a:effectRef>
+          <a:fontRef idx="minor">
+            <a:schemeClr val="lt1"/>
+          </a:fontRef>
+        </p:style>
+        <p:txBody>
+          <a:bodyPr rtlCol="0" anchor="ctr"/>
+          <a:lstStyle/>
+          <a:p>
+            <a:pPr algn="ctr"/>
+            <a:endParaRPr lang="ja-JP" altLang="en-US"/>
+          </a:p>
+        </p:txBody>
+      </p:sp>
+      <p:cxnSp>
+        <p:nvCxnSpPr>
+          <p:cNvPr id="40" name="直線矢印コネクタ 39">
+            <a:extLst>
+              <a:ext uri="{FF2B5EF4-FFF2-40B4-BE49-F238E27FC236}">
+                <a16:creationId xmlns:a16="http://schemas.microsoft.com/office/drawing/2014/main" id="{F2D6CD32-BA19-4DCF-8894-0C0A1E05327B}"/>
+              </a:ext>
+            </a:extLst>
+          </p:cNvPr>
+          <p:cNvCxnSpPr/>
+          <p:nvPr/>
+        </p:nvCxnSpPr>
+        <p:spPr>
+          <a:xfrm flipV="1">
+            <a:off x="9643228" y="1493363"/>
+            <a:ext cx="772223" cy="1251067"/>
+          </a:xfrm>
+          <a:prstGeom prst="straightConnector1">
+            <a:avLst/>
+          </a:prstGeom>
+          <a:ln>
+            <a:solidFill>
+              <a:schemeClr val="tx1"/>
+            </a:solidFill>
+            <a:tailEnd type="triangle"/>
+          </a:ln>
+        </p:spPr>
+        <p:style>
+          <a:lnRef idx="1">
+            <a:schemeClr val="accent1"/>
+          </a:lnRef>
+          <a:fillRef idx="0">
+            <a:schemeClr val="accent1"/>
+          </a:fillRef>
+          <a:effectRef idx="0">
+            <a:schemeClr val="accent1"/>
+          </a:effectRef>
+          <a:fontRef idx="minor">
+            <a:schemeClr val="tx1"/>
+          </a:fontRef>
+        </p:style>
+      </p:cxnSp>
+      <p:cxnSp>
+        <p:nvCxnSpPr>
+          <p:cNvPr id="41" name="直線矢印コネクタ 40">
+            <a:extLst>
+              <a:ext uri="{FF2B5EF4-FFF2-40B4-BE49-F238E27FC236}">
+                <a16:creationId xmlns:a16="http://schemas.microsoft.com/office/drawing/2014/main" id="{35A2EB1E-53EA-4B13-8B64-1CD4A2E73389}"/>
+              </a:ext>
+            </a:extLst>
+          </p:cNvPr>
+          <p:cNvCxnSpPr>
+            <a:cxnSpLocks/>
+            <a:endCxn id="8" idx="2"/>
+          </p:cNvCxnSpPr>
+          <p:nvPr/>
+        </p:nvCxnSpPr>
+        <p:spPr>
+          <a:xfrm flipV="1">
+            <a:off x="1842066" y="3693795"/>
+            <a:ext cx="3909129" cy="959850"/>
+          </a:xfrm>
+          <a:prstGeom prst="straightConnector1">
+            <a:avLst/>
+          </a:prstGeom>
+          <a:ln>
+            <a:solidFill>
+              <a:schemeClr val="tx1"/>
+            </a:solidFill>
+            <a:tailEnd type="triangle"/>
+          </a:ln>
+        </p:spPr>
+        <p:style>
+          <a:lnRef idx="1">
+            <a:schemeClr val="accent1"/>
+          </a:lnRef>
+          <a:fillRef idx="0">
+            <a:schemeClr val="accent1"/>
+          </a:fillRef>
+          <a:effectRef idx="0">
+            <a:schemeClr val="accent1"/>
+          </a:effectRef>
+          <a:fontRef idx="minor">
+            <a:schemeClr val="tx1"/>
+          </a:fontRef>
+        </p:style>
+      </p:cxnSp>
+      <p:cxnSp>
+        <p:nvCxnSpPr>
+          <p:cNvPr id="43" name="直線矢印コネクタ 42">
+            <a:extLst>
+              <a:ext uri="{FF2B5EF4-FFF2-40B4-BE49-F238E27FC236}">
+                <a16:creationId xmlns:a16="http://schemas.microsoft.com/office/drawing/2014/main" id="{7A722B27-5562-4BFF-9934-A447D5B14071}"/>
+              </a:ext>
+            </a:extLst>
+          </p:cNvPr>
+          <p:cNvCxnSpPr/>
+          <p:nvPr/>
+        </p:nvCxnSpPr>
+        <p:spPr>
+          <a:xfrm flipV="1">
+            <a:off x="10878911" y="-8981"/>
+            <a:ext cx="8708" cy="1180010"/>
+          </a:xfrm>
+          <a:prstGeom prst="straightConnector1">
+            <a:avLst/>
+          </a:prstGeom>
+          <a:ln>
+            <a:solidFill>
+              <a:schemeClr val="tx1"/>
+            </a:solidFill>
+            <a:tailEnd type="triangle"/>
+          </a:ln>
+        </p:spPr>
+        <p:style>
+          <a:lnRef idx="1">
+            <a:schemeClr val="accent1"/>
+          </a:lnRef>
+          <a:fillRef idx="0">
+            <a:schemeClr val="accent1"/>
+          </a:fillRef>
+          <a:effectRef idx="0">
+            <a:schemeClr val="accent1"/>
+          </a:effectRef>
+          <a:fontRef idx="minor">
+            <a:schemeClr val="tx1"/>
+          </a:fontRef>
+        </p:style>
+      </p:cxnSp>
+      <p:cxnSp>
+        <p:nvCxnSpPr>
+          <p:cNvPr id="44" name="直線矢印コネクタ 43">
+            <a:extLst>
+              <a:ext uri="{FF2B5EF4-FFF2-40B4-BE49-F238E27FC236}">
+                <a16:creationId xmlns:a16="http://schemas.microsoft.com/office/drawing/2014/main" id="{F00F3342-B14F-4B28-B5BB-A648F1EDD927}"/>
+              </a:ext>
+            </a:extLst>
+          </p:cNvPr>
+          <p:cNvCxnSpPr/>
+          <p:nvPr/>
+        </p:nvCxnSpPr>
+        <p:spPr>
+          <a:xfrm flipV="1">
+            <a:off x="4276997" y="59872"/>
+            <a:ext cx="8710" cy="653143"/>
+          </a:xfrm>
+          <a:prstGeom prst="straightConnector1">
+            <a:avLst/>
+          </a:prstGeom>
+          <a:ln>
+            <a:solidFill>
+              <a:schemeClr val="tx1"/>
+            </a:solidFill>
+            <a:tailEnd type="triangle"/>
+          </a:ln>
+        </p:spPr>
+        <p:style>
+          <a:lnRef idx="1">
+            <a:schemeClr val="accent1"/>
+          </a:lnRef>
+          <a:fillRef idx="0">
+            <a:schemeClr val="accent1"/>
+          </a:fillRef>
+          <a:effectRef idx="0">
+            <a:schemeClr val="accent1"/>
+          </a:effectRef>
+          <a:fontRef idx="minor">
+            <a:schemeClr val="tx1"/>
+          </a:fontRef>
+        </p:style>
+      </p:cxnSp>
+      <p:sp>
+        <p:nvSpPr>
+          <p:cNvPr id="105" name="テキスト ボックス 104">
+            <a:extLst>
+              <a:ext uri="{FF2B5EF4-FFF2-40B4-BE49-F238E27FC236}">
+                <a16:creationId xmlns:a16="http://schemas.microsoft.com/office/drawing/2014/main" id="{2BB60710-6E90-42EA-B7F3-D35BB3D836D9}"/>
+              </a:ext>
+            </a:extLst>
+          </p:cNvPr>
+          <p:cNvSpPr txBox="1"/>
+          <p:nvPr/>
+        </p:nvSpPr>
+        <p:spPr>
+          <a:xfrm>
+            <a:off x="3030856" y="265882"/>
+            <a:ext cx="1641565" cy="369332"/>
+          </a:xfrm>
+          <a:prstGeom prst="rect">
+            <a:avLst/>
+          </a:prstGeom>
+          <a:noFill/>
+        </p:spPr>
+        <p:txBody>
+          <a:bodyPr rot="0" spcFirstLastPara="0" vertOverflow="overflow" horzOverflow="overflow" vert="horz" wrap="square" lIns="91440" tIns="45720" rIns="91440" bIns="45720" numCol="1" spcCol="0" rtlCol="0" fromWordArt="0" anchor="t" anchorCtr="0" forceAA="0" compatLnSpc="1">
+            <a:prstTxWarp prst="textNoShape">
+              <a:avLst/>
+            </a:prstTxWarp>
+            <a:spAutoFit/>
+          </a:bodyPr>
+          <a:lstStyle/>
+          <a:p>
+            <a:pPr algn="l"/>
+            <a:r>
+              <a:rPr lang="ja-JP" altLang="en-US">
+                <a:ea typeface="ＭＳ Ｐゴシック"/>
+                <a:cs typeface="Calibri"/>
+              </a:rPr>
+              <a:t>キャラクター</a:t>
+            </a:r>
+            <a:endParaRPr lang="ja-JP" altLang="en-US" dirty="0">
+              <a:ea typeface="ＭＳ Ｐゴシック"/>
+              <a:cs typeface="Calibri"/>
+            </a:endParaRPr>
+          </a:p>
+        </p:txBody>
+      </p:sp>
+      <p:sp>
+        <p:nvSpPr>
+          <p:cNvPr id="106" name="テキスト ボックス 105">
+            <a:extLst>
+              <a:ext uri="{FF2B5EF4-FFF2-40B4-BE49-F238E27FC236}">
+                <a16:creationId xmlns:a16="http://schemas.microsoft.com/office/drawing/2014/main" id="{FF69203B-614D-4076-8EFB-AF4C7B4A9396}"/>
+              </a:ext>
+            </a:extLst>
+          </p:cNvPr>
+          <p:cNvSpPr txBox="1"/>
+          <p:nvPr/>
+        </p:nvSpPr>
+        <p:spPr>
+          <a:xfrm>
+            <a:off x="1436370" y="2834097"/>
+            <a:ext cx="740229" cy="369332"/>
+          </a:xfrm>
+          <a:prstGeom prst="rect">
+            <a:avLst/>
+          </a:prstGeom>
+          <a:noFill/>
+        </p:spPr>
+        <p:txBody>
+          <a:bodyPr rot="0" spcFirstLastPara="0" vertOverflow="overflow" horzOverflow="overflow" vert="horz" wrap="square" lIns="91440" tIns="45720" rIns="91440" bIns="45720" numCol="1" spcCol="0" rtlCol="0" fromWordArt="0" anchor="t" anchorCtr="0" forceAA="0" compatLnSpc="1">
+            <a:prstTxWarp prst="textNoShape">
+              <a:avLst/>
+            </a:prstTxWarp>
+            <a:spAutoFit/>
+          </a:bodyPr>
+          <a:lstStyle/>
+          <a:p>
+            <a:pPr algn="l"/>
+            <a:r>
+              <a:rPr lang="ja-JP" altLang="en-US">
+                <a:ea typeface="ＭＳ Ｐゴシック"/>
+                <a:cs typeface="Calibri"/>
+              </a:rPr>
+              <a:t>人間</a:t>
+            </a:r>
+            <a:endParaRPr lang="ja-JP" altLang="en-US" dirty="0">
+              <a:ea typeface="ＭＳ Ｐゴシック"/>
+              <a:cs typeface="Calibri"/>
+            </a:endParaRPr>
+          </a:p>
+        </p:txBody>
+      </p:sp>
+      <p:sp>
+        <p:nvSpPr>
+          <p:cNvPr id="107" name="テキスト ボックス 106">
+            <a:extLst>
+              <a:ext uri="{FF2B5EF4-FFF2-40B4-BE49-F238E27FC236}">
+                <a16:creationId xmlns:a16="http://schemas.microsoft.com/office/drawing/2014/main" id="{BFF87FB5-8A65-48A1-97C8-080342AF1B32}"/>
+              </a:ext>
+            </a:extLst>
+          </p:cNvPr>
+          <p:cNvSpPr txBox="1"/>
+          <p:nvPr/>
+        </p:nvSpPr>
+        <p:spPr>
+          <a:xfrm>
+            <a:off x="3595280" y="2872468"/>
+            <a:ext cx="770709" cy="373686"/>
+          </a:xfrm>
+          <a:prstGeom prst="rect">
+            <a:avLst/>
+          </a:prstGeom>
+          <a:noFill/>
+        </p:spPr>
+        <p:txBody>
+          <a:bodyPr rot="0" spcFirstLastPara="0" vertOverflow="overflow" horzOverflow="overflow" vert="horz" wrap="square" lIns="91440" tIns="45720" rIns="91440" bIns="45720" numCol="1" spcCol="0" rtlCol="0" fromWordArt="0" anchor="t" anchorCtr="0" forceAA="0" compatLnSpc="1">
+            <a:prstTxWarp prst="textNoShape">
+              <a:avLst/>
+            </a:prstTxWarp>
+            <a:spAutoFit/>
+          </a:bodyPr>
+          <a:lstStyle/>
+          <a:p>
+            <a:pPr algn="l"/>
+            <a:r>
+              <a:rPr lang="ja-JP" altLang="en-US">
+                <a:ea typeface="ＭＳ Ｐゴシック"/>
+                <a:cs typeface="Calibri"/>
+              </a:rPr>
+              <a:t>動物</a:t>
+            </a:r>
+            <a:endParaRPr lang="ja-JP" altLang="en-US" dirty="0">
+              <a:ea typeface="ＭＳ Ｐゴシック"/>
+              <a:cs typeface="Calibri"/>
+            </a:endParaRPr>
+          </a:p>
+        </p:txBody>
+      </p:sp>
+      <p:sp>
+        <p:nvSpPr>
+          <p:cNvPr id="110" name="テキスト ボックス 109">
+            <a:extLst>
+              <a:ext uri="{FF2B5EF4-FFF2-40B4-BE49-F238E27FC236}">
+                <a16:creationId xmlns:a16="http://schemas.microsoft.com/office/drawing/2014/main" id="{0512770E-751B-4BAD-A12A-33BD8D6ED111}"/>
+              </a:ext>
+            </a:extLst>
+          </p:cNvPr>
+          <p:cNvSpPr txBox="1"/>
+          <p:nvPr/>
+        </p:nvSpPr>
+        <p:spPr>
+          <a:xfrm>
+            <a:off x="1061583" y="4049879"/>
+            <a:ext cx="975360" cy="369332"/>
+          </a:xfrm>
+          <a:prstGeom prst="rect">
+            <a:avLst/>
+          </a:prstGeom>
+          <a:noFill/>
+        </p:spPr>
+        <p:txBody>
+          <a:bodyPr rot="0" spcFirstLastPara="0" vertOverflow="overflow" horzOverflow="overflow" vert="horz" wrap="square" lIns="91440" tIns="45720" rIns="91440" bIns="45720" numCol="1" spcCol="0" rtlCol="0" fromWordArt="0" anchor="t" anchorCtr="0" forceAA="0" compatLnSpc="1">
+            <a:prstTxWarp prst="textNoShape">
+              <a:avLst/>
+            </a:prstTxWarp>
+            <a:spAutoFit/>
+          </a:bodyPr>
+          <a:lstStyle/>
+          <a:p>
+            <a:pPr algn="l"/>
+            <a:r>
+              <a:rPr lang="ja-JP" altLang="en-US" dirty="0">
+                <a:ea typeface="ＭＳ Ｐゴシック"/>
+                <a:cs typeface="Calibri"/>
+              </a:rPr>
+              <a:t>カービィ</a:t>
+            </a:r>
+          </a:p>
+        </p:txBody>
+      </p:sp>
+      <p:sp>
+        <p:nvSpPr>
+          <p:cNvPr id="115" name="テキスト ボックス 114">
+            <a:extLst>
+              <a:ext uri="{FF2B5EF4-FFF2-40B4-BE49-F238E27FC236}">
+                <a16:creationId xmlns:a16="http://schemas.microsoft.com/office/drawing/2014/main" id="{465D1D02-1FAA-4287-A9CF-F0885E1468A0}"/>
+              </a:ext>
+            </a:extLst>
+          </p:cNvPr>
+          <p:cNvSpPr txBox="1"/>
+          <p:nvPr/>
+        </p:nvSpPr>
+        <p:spPr>
+          <a:xfrm>
+            <a:off x="3060849" y="4438064"/>
+            <a:ext cx="592183" cy="369332"/>
+          </a:xfrm>
+          <a:prstGeom prst="rect">
+            <a:avLst/>
+          </a:prstGeom>
+          <a:noFill/>
+        </p:spPr>
+        <p:txBody>
+          <a:bodyPr rot="0" spcFirstLastPara="0" vertOverflow="overflow" horzOverflow="overflow" vert="horz" wrap="square" lIns="91440" tIns="45720" rIns="91440" bIns="45720" numCol="1" spcCol="0" rtlCol="0" fromWordArt="0" anchor="t" anchorCtr="0" forceAA="0" compatLnSpc="1">
+            <a:prstTxWarp prst="textNoShape">
+              <a:avLst/>
+            </a:prstTxWarp>
+            <a:spAutoFit/>
+          </a:bodyPr>
+          <a:lstStyle/>
+          <a:p>
+            <a:pPr algn="l"/>
+            <a:r>
+              <a:rPr lang="ja-JP" altLang="en-US">
+                <a:ea typeface="ＭＳ Ｐゴシック"/>
+                <a:cs typeface="Calibri"/>
+              </a:rPr>
+              <a:t>is-a</a:t>
+            </a:r>
+            <a:endParaRPr lang="ja-JP" altLang="en-US" dirty="0">
+              <a:ea typeface="ＭＳ Ｐゴシック"/>
+              <a:cs typeface="Calibri"/>
+            </a:endParaRPr>
+          </a:p>
+        </p:txBody>
+      </p:sp>
+      <p:sp>
+        <p:nvSpPr>
+          <p:cNvPr id="116" name="正方形/長方形 115">
+            <a:extLst>
+              <a:ext uri="{FF2B5EF4-FFF2-40B4-BE49-F238E27FC236}">
+                <a16:creationId xmlns:a16="http://schemas.microsoft.com/office/drawing/2014/main" id="{F2FEBC4D-C38F-45D7-BD99-D7CEB12FECF4}"/>
+              </a:ext>
+            </a:extLst>
+          </p:cNvPr>
+          <p:cNvSpPr/>
+          <p:nvPr/>
+        </p:nvSpPr>
+        <p:spPr>
+          <a:xfrm>
+            <a:off x="3695758" y="4496032"/>
+            <a:ext cx="635726" cy="313509"/>
+          </a:xfrm>
+          <a:prstGeom prst="rect">
+            <a:avLst/>
+          </a:prstGeom>
+          <a:solidFill>
+            <a:schemeClr val="bg1"/>
+          </a:solidFill>
+        </p:spPr>
+        <p:style>
+          <a:lnRef idx="2">
+            <a:schemeClr val="accent1">
+              <a:shade val="50000"/>
+            </a:schemeClr>
+          </a:lnRef>
+          <a:fillRef idx="1">
+            <a:schemeClr val="accent1"/>
+          </a:fillRef>
+          <a:effectRef idx="0">
+            <a:schemeClr val="accent1"/>
+          </a:effectRef>
+          <a:fontRef idx="minor">
+            <a:schemeClr val="lt1"/>
+          </a:fontRef>
+        </p:style>
+        <p:txBody>
+          <a:bodyPr rtlCol="0" anchor="ctr"/>
+          <a:lstStyle/>
+          <a:p>
+            <a:pPr algn="ctr"/>
+            <a:endParaRPr lang="ja-JP" altLang="en-US"/>
+          </a:p>
+        </p:txBody>
+      </p:sp>
+      <p:sp>
+        <p:nvSpPr>
+          <p:cNvPr id="117" name="テキスト ボックス 116">
+            <a:extLst>
+              <a:ext uri="{FF2B5EF4-FFF2-40B4-BE49-F238E27FC236}">
+                <a16:creationId xmlns:a16="http://schemas.microsoft.com/office/drawing/2014/main" id="{43F2C4E0-FEF6-4870-8E5F-1A0B1FE5D71C}"/>
+              </a:ext>
+            </a:extLst>
+          </p:cNvPr>
+          <p:cNvSpPr txBox="1"/>
+          <p:nvPr/>
+        </p:nvSpPr>
+        <p:spPr>
+          <a:xfrm>
+            <a:off x="3063571" y="4906694"/>
+            <a:ext cx="583474" cy="307777"/>
+          </a:xfrm>
+          <a:prstGeom prst="rect">
+            <a:avLst/>
+          </a:prstGeom>
+          <a:noFill/>
+        </p:spPr>
+        <p:txBody>
+          <a:bodyPr rot="0" spcFirstLastPara="0" vertOverflow="overflow" horzOverflow="overflow" vert="horz" wrap="square" lIns="91440" tIns="45720" rIns="91440" bIns="45720" numCol="1" spcCol="0" rtlCol="0" fromWordArt="0" anchor="t" anchorCtr="0" forceAA="0" compatLnSpc="1">
+            <a:prstTxWarp prst="textNoShape">
+              <a:avLst/>
+            </a:prstTxWarp>
+            <a:spAutoFit/>
+          </a:bodyPr>
+          <a:lstStyle/>
+          <a:p>
+            <a:pPr algn="l"/>
+            <a:r>
+              <a:rPr lang="ja-JP" altLang="en-US" sz="1400">
+                <a:ea typeface="ＭＳ Ｐゴシック"/>
+                <a:cs typeface="Calibri"/>
+              </a:rPr>
+              <a:t>武器</a:t>
+            </a:r>
+            <a:endParaRPr lang="ja-JP" altLang="en-US" sz="1400" dirty="0">
+              <a:ea typeface="ＭＳ Ｐゴシック"/>
+              <a:cs typeface="Calibri"/>
+            </a:endParaRPr>
+          </a:p>
+        </p:txBody>
+      </p:sp>
+      <p:sp>
+        <p:nvSpPr>
+          <p:cNvPr id="118" name="正方形/長方形 117">
+            <a:extLst>
+              <a:ext uri="{FF2B5EF4-FFF2-40B4-BE49-F238E27FC236}">
+                <a16:creationId xmlns:a16="http://schemas.microsoft.com/office/drawing/2014/main" id="{E32BE265-D68F-4B9D-8DFD-33B11D58BB44}"/>
+              </a:ext>
+            </a:extLst>
+          </p:cNvPr>
+          <p:cNvSpPr/>
+          <p:nvPr/>
+        </p:nvSpPr>
+        <p:spPr>
+          <a:xfrm>
+            <a:off x="3696847" y="4915132"/>
+            <a:ext cx="631371" cy="269966"/>
+          </a:xfrm>
+          <a:prstGeom prst="rect">
+            <a:avLst/>
+          </a:prstGeom>
+          <a:solidFill>
+            <a:schemeClr val="bg1"/>
+          </a:solidFill>
+        </p:spPr>
+        <p:style>
+          <a:lnRef idx="2">
+            <a:schemeClr val="accent1">
+              <a:shade val="50000"/>
+            </a:schemeClr>
+          </a:lnRef>
+          <a:fillRef idx="1">
+            <a:schemeClr val="accent1"/>
+          </a:fillRef>
+          <a:effectRef idx="0">
+            <a:schemeClr val="accent1"/>
+          </a:effectRef>
+          <a:fontRef idx="minor">
+            <a:schemeClr val="lt1"/>
+          </a:fontRef>
+        </p:style>
+        <p:txBody>
+          <a:bodyPr rtlCol="0" anchor="ctr"/>
+          <a:lstStyle/>
+          <a:p>
+            <a:pPr algn="ctr"/>
+            <a:r>
+              <a:rPr lang="en-US" altLang="ja-JP" sz="1400" dirty="0">
+                <a:solidFill>
+                  <a:schemeClr val="tx1"/>
+                </a:solidFill>
+              </a:rPr>
+              <a:t>true</a:t>
+            </a:r>
+            <a:endParaRPr lang="ja-JP" altLang="en-US" sz="1400" dirty="0">
+              <a:solidFill>
+                <a:schemeClr val="tx1"/>
+              </a:solidFill>
+            </a:endParaRPr>
+          </a:p>
+        </p:txBody>
+      </p:sp>
+      <p:sp>
+        <p:nvSpPr>
+          <p:cNvPr id="119" name="テキスト ボックス 118">
+            <a:extLst>
+              <a:ext uri="{FF2B5EF4-FFF2-40B4-BE49-F238E27FC236}">
+                <a16:creationId xmlns:a16="http://schemas.microsoft.com/office/drawing/2014/main" id="{A04D76A2-71D5-4B09-8CF6-E187A48A0C75}"/>
+              </a:ext>
+            </a:extLst>
+          </p:cNvPr>
+          <p:cNvSpPr txBox="1"/>
+          <p:nvPr/>
+        </p:nvSpPr>
+        <p:spPr>
+          <a:xfrm>
+            <a:off x="3073367" y="5308378"/>
+            <a:ext cx="622664" cy="312131"/>
+          </a:xfrm>
+          <a:prstGeom prst="rect">
+            <a:avLst/>
+          </a:prstGeom>
+          <a:noFill/>
+        </p:spPr>
+        <p:txBody>
+          <a:bodyPr rot="0" spcFirstLastPara="0" vertOverflow="overflow" horzOverflow="overflow" vert="horz" wrap="square" lIns="91440" tIns="45720" rIns="91440" bIns="45720" numCol="1" spcCol="0" rtlCol="0" fromWordArt="0" anchor="t" anchorCtr="0" forceAA="0" compatLnSpc="1">
+            <a:prstTxWarp prst="textNoShape">
+              <a:avLst/>
+            </a:prstTxWarp>
+            <a:spAutoFit/>
+          </a:bodyPr>
+          <a:lstStyle/>
+          <a:p>
+            <a:pPr algn="l"/>
+            <a:r>
+              <a:rPr lang="ja-JP" altLang="en-US" sz="1400">
+                <a:ea typeface="ＭＳ Ｐゴシック"/>
+                <a:cs typeface="Calibri"/>
+              </a:rPr>
+              <a:t>性別</a:t>
+            </a:r>
+            <a:endParaRPr lang="ja-JP" altLang="en-US" sz="1400" dirty="0">
+              <a:ea typeface="ＭＳ Ｐゴシック"/>
+              <a:cs typeface="Calibri"/>
+            </a:endParaRPr>
+          </a:p>
+        </p:txBody>
+      </p:sp>
+      <p:sp>
+        <p:nvSpPr>
+          <p:cNvPr id="120" name="テキスト ボックス 119">
+            <a:extLst>
+              <a:ext uri="{FF2B5EF4-FFF2-40B4-BE49-F238E27FC236}">
+                <a16:creationId xmlns:a16="http://schemas.microsoft.com/office/drawing/2014/main" id="{F2F23679-8FE2-4355-BF74-E14BF1779D2E}"/>
+              </a:ext>
+            </a:extLst>
+          </p:cNvPr>
+          <p:cNvSpPr txBox="1"/>
+          <p:nvPr/>
+        </p:nvSpPr>
+        <p:spPr>
+          <a:xfrm>
+            <a:off x="3059488" y="5729928"/>
+            <a:ext cx="896983" cy="276999"/>
+          </a:xfrm>
+          <a:prstGeom prst="rect">
+            <a:avLst/>
+          </a:prstGeom>
+          <a:noFill/>
+        </p:spPr>
+        <p:txBody>
+          <a:bodyPr rot="0" spcFirstLastPara="0" vertOverflow="overflow" horzOverflow="overflow" vert="horz" wrap="square" lIns="91440" tIns="45720" rIns="91440" bIns="45720" numCol="1" spcCol="0" rtlCol="0" fromWordArt="0" anchor="t" anchorCtr="0" forceAA="0" compatLnSpc="1">
+            <a:prstTxWarp prst="textNoShape">
+              <a:avLst/>
+            </a:prstTxWarp>
+            <a:spAutoFit/>
+          </a:bodyPr>
+          <a:lstStyle/>
+          <a:p>
+            <a:pPr algn="l"/>
+            <a:r>
+              <a:rPr lang="ja-JP" altLang="en-US" sz="1200">
+                <a:ea typeface="ＭＳ Ｐゴシック"/>
+                <a:cs typeface="Calibri"/>
+              </a:rPr>
+              <a:t>タイトル</a:t>
+            </a:r>
+            <a:endParaRPr lang="ja-JP" altLang="en-US" sz="1200" dirty="0">
+              <a:ea typeface="ＭＳ Ｐゴシック"/>
+              <a:cs typeface="Calibri"/>
+            </a:endParaRPr>
+          </a:p>
+        </p:txBody>
+      </p:sp>
+      <p:sp>
+        <p:nvSpPr>
+          <p:cNvPr id="121" name="正方形/長方形 120">
+            <a:extLst>
+              <a:ext uri="{FF2B5EF4-FFF2-40B4-BE49-F238E27FC236}">
+                <a16:creationId xmlns:a16="http://schemas.microsoft.com/office/drawing/2014/main" id="{F6FBB7C5-AF7B-4438-B7C9-C08CD04B90E2}"/>
+              </a:ext>
+            </a:extLst>
+          </p:cNvPr>
+          <p:cNvSpPr/>
+          <p:nvPr/>
+        </p:nvSpPr>
+        <p:spPr>
+          <a:xfrm>
+            <a:off x="3698752" y="5317632"/>
+            <a:ext cx="622663" cy="304800"/>
+          </a:xfrm>
+          <a:prstGeom prst="rect">
+            <a:avLst/>
+          </a:prstGeom>
+          <a:solidFill>
+            <a:schemeClr val="bg1"/>
+          </a:solidFill>
+        </p:spPr>
+        <p:style>
+          <a:lnRef idx="2">
+            <a:schemeClr val="accent1">
+              <a:shade val="50000"/>
+            </a:schemeClr>
+          </a:lnRef>
+          <a:fillRef idx="1">
+            <a:schemeClr val="accent1"/>
+          </a:fillRef>
+          <a:effectRef idx="0">
+            <a:schemeClr val="accent1"/>
+          </a:effectRef>
+          <a:fontRef idx="minor">
+            <a:schemeClr val="lt1"/>
+          </a:fontRef>
+        </p:style>
+        <p:txBody>
+          <a:bodyPr rtlCol="0" anchor="ctr"/>
+          <a:lstStyle/>
+          <a:p>
+            <a:pPr algn="ctr"/>
+            <a:r>
+              <a:rPr lang="ja-JP" altLang="en-US" sz="1400" dirty="0">
+                <a:solidFill>
+                  <a:schemeClr val="tx1"/>
+                </a:solidFill>
+                <a:ea typeface="ＭＳ Ｐゴシック"/>
+                <a:cs typeface="Calibri"/>
+              </a:rPr>
+              <a:t>不明</a:t>
+            </a:r>
+          </a:p>
+        </p:txBody>
+      </p:sp>
+      <p:sp>
+        <p:nvSpPr>
+          <p:cNvPr id="122" name="正方形/長方形 121">
+            <a:extLst>
+              <a:ext uri="{FF2B5EF4-FFF2-40B4-BE49-F238E27FC236}">
+                <a16:creationId xmlns:a16="http://schemas.microsoft.com/office/drawing/2014/main" id="{BA110171-2267-42DF-93DA-B1DC4DF3DB13}"/>
+              </a:ext>
+            </a:extLst>
+          </p:cNvPr>
+          <p:cNvSpPr/>
+          <p:nvPr/>
+        </p:nvSpPr>
+        <p:spPr>
+          <a:xfrm>
+            <a:off x="3859044" y="5730472"/>
+            <a:ext cx="478972" cy="261258"/>
+          </a:xfrm>
+          <a:prstGeom prst="rect">
+            <a:avLst/>
+          </a:prstGeom>
+          <a:solidFill>
+            <a:schemeClr val="bg1"/>
+          </a:solidFill>
+        </p:spPr>
+        <p:style>
+          <a:lnRef idx="2">
+            <a:schemeClr val="accent1">
+              <a:shade val="50000"/>
+            </a:schemeClr>
+          </a:lnRef>
+          <a:fillRef idx="1">
+            <a:schemeClr val="accent1"/>
+          </a:fillRef>
+          <a:effectRef idx="0">
+            <a:schemeClr val="accent1"/>
+          </a:effectRef>
+          <a:fontRef idx="minor">
+            <a:schemeClr val="lt1"/>
+          </a:fontRef>
+        </p:style>
+        <p:txBody>
+          <a:bodyPr rtlCol="0" anchor="ctr"/>
+          <a:lstStyle/>
+          <a:p>
+            <a:pPr algn="ctr"/>
+            <a:endParaRPr lang="ja-JP" altLang="en-US"/>
+          </a:p>
+        </p:txBody>
+      </p:sp>
+      <p:sp>
+        <p:nvSpPr>
+          <p:cNvPr id="123" name="テキスト ボックス 122">
+            <a:extLst>
+              <a:ext uri="{FF2B5EF4-FFF2-40B4-BE49-F238E27FC236}">
+                <a16:creationId xmlns:a16="http://schemas.microsoft.com/office/drawing/2014/main" id="{25A13542-C8BD-4BE6-91FD-803F3F421640}"/>
+              </a:ext>
+            </a:extLst>
+          </p:cNvPr>
+          <p:cNvSpPr txBox="1"/>
+          <p:nvPr/>
+        </p:nvSpPr>
+        <p:spPr>
+          <a:xfrm>
+            <a:off x="3133521" y="4049879"/>
+            <a:ext cx="1079580" cy="369332"/>
+          </a:xfrm>
+          <a:prstGeom prst="rect">
+            <a:avLst/>
+          </a:prstGeom>
+          <a:noFill/>
+        </p:spPr>
+        <p:txBody>
+          <a:bodyPr rot="0" spcFirstLastPara="0" vertOverflow="overflow" horzOverflow="overflow" vert="horz" wrap="square" lIns="91440" tIns="45720" rIns="91440" bIns="45720" numCol="1" spcCol="0" rtlCol="0" fromWordArt="0" anchor="t" anchorCtr="0" forceAA="0" compatLnSpc="1">
+            <a:prstTxWarp prst="textNoShape">
+              <a:avLst/>
+            </a:prstTxWarp>
+            <a:spAutoFit/>
+          </a:bodyPr>
+          <a:lstStyle/>
+          <a:p>
+            <a:pPr algn="l"/>
+            <a:r>
+              <a:rPr lang="ja-JP" altLang="en-US" dirty="0">
+                <a:ea typeface="ＭＳ Ｐゴシック"/>
+                <a:cs typeface="Calibri"/>
+              </a:rPr>
+              <a:t>メタナイト</a:t>
+            </a:r>
+          </a:p>
+        </p:txBody>
+      </p:sp>
+      <p:sp>
+        <p:nvSpPr>
+          <p:cNvPr id="125" name="テキスト ボックス 124">
+            <a:extLst>
+              <a:ext uri="{FF2B5EF4-FFF2-40B4-BE49-F238E27FC236}">
+                <a16:creationId xmlns:a16="http://schemas.microsoft.com/office/drawing/2014/main" id="{13701F6A-81C8-4882-AD02-809E91AE9F69}"/>
+              </a:ext>
+            </a:extLst>
+          </p:cNvPr>
+          <p:cNvSpPr txBox="1"/>
+          <p:nvPr/>
+        </p:nvSpPr>
+        <p:spPr>
+          <a:xfrm>
+            <a:off x="5243367" y="4430884"/>
+            <a:ext cx="592183" cy="369332"/>
+          </a:xfrm>
+          <a:prstGeom prst="rect">
+            <a:avLst/>
+          </a:prstGeom>
+          <a:noFill/>
+        </p:spPr>
+        <p:txBody>
+          <a:bodyPr rot="0" spcFirstLastPara="0" vertOverflow="overflow" horzOverflow="overflow" vert="horz" wrap="square" lIns="91440" tIns="45720" rIns="91440" bIns="45720" numCol="1" spcCol="0" rtlCol="0" fromWordArt="0" anchor="t" anchorCtr="0" forceAA="0" compatLnSpc="1">
+            <a:prstTxWarp prst="textNoShape">
+              <a:avLst/>
+            </a:prstTxWarp>
+            <a:spAutoFit/>
+          </a:bodyPr>
+          <a:lstStyle/>
+          <a:p>
+            <a:pPr algn="l"/>
+            <a:r>
+              <a:rPr lang="ja-JP" altLang="en-US">
+                <a:ea typeface="ＭＳ Ｐゴシック"/>
+                <a:cs typeface="Calibri"/>
+              </a:rPr>
+              <a:t>is-a</a:t>
+            </a:r>
+            <a:endParaRPr lang="ja-JP" altLang="en-US" dirty="0">
+              <a:ea typeface="ＭＳ Ｐゴシック"/>
+              <a:cs typeface="Calibri"/>
+            </a:endParaRPr>
+          </a:p>
+        </p:txBody>
+      </p:sp>
+      <p:sp>
+        <p:nvSpPr>
+          <p:cNvPr id="126" name="正方形/長方形 125">
+            <a:extLst>
+              <a:ext uri="{FF2B5EF4-FFF2-40B4-BE49-F238E27FC236}">
+                <a16:creationId xmlns:a16="http://schemas.microsoft.com/office/drawing/2014/main" id="{C667EB1B-0788-49E0-BF9D-3E667C544671}"/>
+              </a:ext>
+            </a:extLst>
+          </p:cNvPr>
+          <p:cNvSpPr/>
+          <p:nvPr/>
+        </p:nvSpPr>
+        <p:spPr>
+          <a:xfrm>
+            <a:off x="5878276" y="4488852"/>
+            <a:ext cx="635726" cy="313509"/>
+          </a:xfrm>
+          <a:prstGeom prst="rect">
+            <a:avLst/>
+          </a:prstGeom>
+          <a:solidFill>
+            <a:schemeClr val="bg1"/>
+          </a:solidFill>
+        </p:spPr>
+        <p:style>
+          <a:lnRef idx="2">
+            <a:schemeClr val="accent1">
+              <a:shade val="50000"/>
+            </a:schemeClr>
+          </a:lnRef>
+          <a:fillRef idx="1">
+            <a:schemeClr val="accent1"/>
+          </a:fillRef>
+          <a:effectRef idx="0">
+            <a:schemeClr val="accent1"/>
+          </a:effectRef>
+          <a:fontRef idx="minor">
+            <a:schemeClr val="lt1"/>
+          </a:fontRef>
+        </p:style>
+        <p:txBody>
+          <a:bodyPr rtlCol="0" anchor="ctr"/>
+          <a:lstStyle/>
+          <a:p>
+            <a:pPr algn="ctr"/>
+            <a:endParaRPr lang="ja-JP" altLang="en-US"/>
+          </a:p>
+        </p:txBody>
+      </p:sp>
+      <p:sp>
+        <p:nvSpPr>
+          <p:cNvPr id="127" name="テキスト ボックス 126">
+            <a:extLst>
+              <a:ext uri="{FF2B5EF4-FFF2-40B4-BE49-F238E27FC236}">
+                <a16:creationId xmlns:a16="http://schemas.microsoft.com/office/drawing/2014/main" id="{B20E716A-7428-4D45-8161-004F956548F7}"/>
+              </a:ext>
+            </a:extLst>
+          </p:cNvPr>
+          <p:cNvSpPr txBox="1"/>
+          <p:nvPr/>
+        </p:nvSpPr>
+        <p:spPr>
+          <a:xfrm>
+            <a:off x="5246089" y="4899514"/>
+            <a:ext cx="583474" cy="307777"/>
+          </a:xfrm>
+          <a:prstGeom prst="rect">
+            <a:avLst/>
+          </a:prstGeom>
+          <a:noFill/>
+        </p:spPr>
+        <p:txBody>
+          <a:bodyPr rot="0" spcFirstLastPara="0" vertOverflow="overflow" horzOverflow="overflow" vert="horz" wrap="square" lIns="91440" tIns="45720" rIns="91440" bIns="45720" numCol="1" spcCol="0" rtlCol="0" fromWordArt="0" anchor="t" anchorCtr="0" forceAA="0" compatLnSpc="1">
+            <a:prstTxWarp prst="textNoShape">
+              <a:avLst/>
+            </a:prstTxWarp>
+            <a:spAutoFit/>
+          </a:bodyPr>
+          <a:lstStyle/>
+          <a:p>
+            <a:pPr algn="l"/>
+            <a:r>
+              <a:rPr lang="ja-JP" altLang="en-US" sz="1400">
+                <a:ea typeface="ＭＳ Ｐゴシック"/>
+                <a:cs typeface="Calibri"/>
+              </a:rPr>
+              <a:t>武器</a:t>
+            </a:r>
+            <a:endParaRPr lang="ja-JP" altLang="en-US" sz="1400" dirty="0">
+              <a:ea typeface="ＭＳ Ｐゴシック"/>
+              <a:cs typeface="Calibri"/>
+            </a:endParaRPr>
+          </a:p>
+        </p:txBody>
+      </p:sp>
+      <p:sp>
+        <p:nvSpPr>
+          <p:cNvPr id="128" name="正方形/長方形 127">
+            <a:extLst>
+              <a:ext uri="{FF2B5EF4-FFF2-40B4-BE49-F238E27FC236}">
+                <a16:creationId xmlns:a16="http://schemas.microsoft.com/office/drawing/2014/main" id="{496E729C-BF89-4943-84B8-5C80333D051B}"/>
+              </a:ext>
+            </a:extLst>
+          </p:cNvPr>
+          <p:cNvSpPr/>
+          <p:nvPr/>
+        </p:nvSpPr>
+        <p:spPr>
+          <a:xfrm>
+            <a:off x="5879365" y="4907952"/>
+            <a:ext cx="631371" cy="269966"/>
+          </a:xfrm>
+          <a:prstGeom prst="rect">
+            <a:avLst/>
+          </a:prstGeom>
+          <a:solidFill>
+            <a:schemeClr val="bg1"/>
+          </a:solidFill>
+        </p:spPr>
+        <p:style>
+          <a:lnRef idx="2">
+            <a:schemeClr val="accent1">
+              <a:shade val="50000"/>
+            </a:schemeClr>
+          </a:lnRef>
+          <a:fillRef idx="1">
+            <a:schemeClr val="accent1"/>
+          </a:fillRef>
+          <a:effectRef idx="0">
+            <a:schemeClr val="accent1"/>
+          </a:effectRef>
+          <a:fontRef idx="minor">
+            <a:schemeClr val="lt1"/>
+          </a:fontRef>
+        </p:style>
+        <p:txBody>
+          <a:bodyPr rtlCol="0" anchor="ctr"/>
+          <a:lstStyle/>
+          <a:p>
+            <a:pPr algn="ctr"/>
+            <a:r>
+              <a:rPr lang="en-US" altLang="ja-JP" sz="1400" dirty="0">
+                <a:solidFill>
+                  <a:schemeClr val="tx1"/>
+                </a:solidFill>
+              </a:rPr>
+              <a:t>true</a:t>
+            </a:r>
+            <a:endParaRPr lang="ja-JP" altLang="en-US" sz="1400" dirty="0">
+              <a:solidFill>
+                <a:schemeClr val="tx1"/>
+              </a:solidFill>
+            </a:endParaRPr>
+          </a:p>
+        </p:txBody>
+      </p:sp>
+      <p:sp>
+        <p:nvSpPr>
+          <p:cNvPr id="129" name="テキスト ボックス 128">
+            <a:extLst>
+              <a:ext uri="{FF2B5EF4-FFF2-40B4-BE49-F238E27FC236}">
+                <a16:creationId xmlns:a16="http://schemas.microsoft.com/office/drawing/2014/main" id="{1E59E7FC-55EB-477D-99BD-9BDC117A875D}"/>
+              </a:ext>
+            </a:extLst>
+          </p:cNvPr>
+          <p:cNvSpPr txBox="1"/>
+          <p:nvPr/>
+        </p:nvSpPr>
+        <p:spPr>
+          <a:xfrm>
+            <a:off x="5255885" y="5301198"/>
+            <a:ext cx="622664" cy="312131"/>
+          </a:xfrm>
+          <a:prstGeom prst="rect">
+            <a:avLst/>
+          </a:prstGeom>
+          <a:noFill/>
+        </p:spPr>
+        <p:txBody>
+          <a:bodyPr rot="0" spcFirstLastPara="0" vertOverflow="overflow" horzOverflow="overflow" vert="horz" wrap="square" lIns="91440" tIns="45720" rIns="91440" bIns="45720" numCol="1" spcCol="0" rtlCol="0" fromWordArt="0" anchor="t" anchorCtr="0" forceAA="0" compatLnSpc="1">
+            <a:prstTxWarp prst="textNoShape">
+              <a:avLst/>
+            </a:prstTxWarp>
+            <a:spAutoFit/>
+          </a:bodyPr>
+          <a:lstStyle/>
+          <a:p>
+            <a:pPr algn="l"/>
+            <a:r>
+              <a:rPr lang="ja-JP" altLang="en-US" sz="1400">
+                <a:ea typeface="ＭＳ Ｐゴシック"/>
+                <a:cs typeface="Calibri"/>
+              </a:rPr>
+              <a:t>性別</a:t>
+            </a:r>
+            <a:endParaRPr lang="ja-JP" altLang="en-US" sz="1400" dirty="0">
+              <a:ea typeface="ＭＳ Ｐゴシック"/>
+              <a:cs typeface="Calibri"/>
+            </a:endParaRPr>
+          </a:p>
+        </p:txBody>
+      </p:sp>
+      <p:sp>
+        <p:nvSpPr>
+          <p:cNvPr id="130" name="テキスト ボックス 129">
+            <a:extLst>
+              <a:ext uri="{FF2B5EF4-FFF2-40B4-BE49-F238E27FC236}">
+                <a16:creationId xmlns:a16="http://schemas.microsoft.com/office/drawing/2014/main" id="{31643850-785A-4334-9EEC-1BD79C987086}"/>
+              </a:ext>
+            </a:extLst>
+          </p:cNvPr>
+          <p:cNvSpPr txBox="1"/>
+          <p:nvPr/>
+        </p:nvSpPr>
+        <p:spPr>
+          <a:xfrm>
+            <a:off x="5242006" y="5722748"/>
+            <a:ext cx="896983" cy="276999"/>
+          </a:xfrm>
+          <a:prstGeom prst="rect">
+            <a:avLst/>
+          </a:prstGeom>
+          <a:noFill/>
+        </p:spPr>
+        <p:txBody>
+          <a:bodyPr rot="0" spcFirstLastPara="0" vertOverflow="overflow" horzOverflow="overflow" vert="horz" wrap="square" lIns="91440" tIns="45720" rIns="91440" bIns="45720" numCol="1" spcCol="0" rtlCol="0" fromWordArt="0" anchor="t" anchorCtr="0" forceAA="0" compatLnSpc="1">
+            <a:prstTxWarp prst="textNoShape">
+              <a:avLst/>
+            </a:prstTxWarp>
+            <a:spAutoFit/>
+          </a:bodyPr>
+          <a:lstStyle/>
+          <a:p>
+            <a:pPr algn="l"/>
+            <a:r>
+              <a:rPr lang="ja-JP" altLang="en-US" sz="1200">
+                <a:ea typeface="ＭＳ Ｐゴシック"/>
+                <a:cs typeface="Calibri"/>
+              </a:rPr>
+              <a:t>タイトル</a:t>
+            </a:r>
+            <a:endParaRPr lang="ja-JP" altLang="en-US" sz="1200" dirty="0">
+              <a:ea typeface="ＭＳ Ｐゴシック"/>
+              <a:cs typeface="Calibri"/>
+            </a:endParaRPr>
+          </a:p>
+        </p:txBody>
+      </p:sp>
+      <p:sp>
+        <p:nvSpPr>
+          <p:cNvPr id="131" name="正方形/長方形 130">
+            <a:extLst>
+              <a:ext uri="{FF2B5EF4-FFF2-40B4-BE49-F238E27FC236}">
+                <a16:creationId xmlns:a16="http://schemas.microsoft.com/office/drawing/2014/main" id="{EA23BD21-B078-4094-A678-52249C882CFD}"/>
+              </a:ext>
+            </a:extLst>
+          </p:cNvPr>
+          <p:cNvSpPr/>
+          <p:nvPr/>
+        </p:nvSpPr>
+        <p:spPr>
+          <a:xfrm>
+            <a:off x="5881270" y="5310452"/>
+            <a:ext cx="622663" cy="304800"/>
+          </a:xfrm>
+          <a:prstGeom prst="rect">
+            <a:avLst/>
+          </a:prstGeom>
+          <a:solidFill>
+            <a:schemeClr val="bg1"/>
+          </a:solidFill>
+        </p:spPr>
+        <p:style>
+          <a:lnRef idx="2">
+            <a:schemeClr val="accent1">
+              <a:shade val="50000"/>
+            </a:schemeClr>
+          </a:lnRef>
+          <a:fillRef idx="1">
+            <a:schemeClr val="accent1"/>
+          </a:fillRef>
+          <a:effectRef idx="0">
+            <a:schemeClr val="accent1"/>
+          </a:effectRef>
+          <a:fontRef idx="minor">
+            <a:schemeClr val="lt1"/>
+          </a:fontRef>
+        </p:style>
+        <p:txBody>
+          <a:bodyPr rtlCol="0" anchor="ctr"/>
+          <a:lstStyle/>
+          <a:p>
+            <a:pPr algn="ctr"/>
+            <a:r>
+              <a:rPr lang="ja-JP" altLang="en-US" sz="1400" dirty="0">
+                <a:solidFill>
+                  <a:schemeClr val="tx1"/>
+                </a:solidFill>
+                <a:ea typeface="ＭＳ Ｐゴシック"/>
+                <a:cs typeface="Calibri"/>
+              </a:rPr>
+              <a:t>不明</a:t>
+            </a:r>
+          </a:p>
+        </p:txBody>
+      </p:sp>
+      <p:sp>
+        <p:nvSpPr>
+          <p:cNvPr id="132" name="正方形/長方形 131">
+            <a:extLst>
+              <a:ext uri="{FF2B5EF4-FFF2-40B4-BE49-F238E27FC236}">
+                <a16:creationId xmlns:a16="http://schemas.microsoft.com/office/drawing/2014/main" id="{EE388CF9-6E98-45CA-BC51-5332D64836AD}"/>
+              </a:ext>
+            </a:extLst>
+          </p:cNvPr>
+          <p:cNvSpPr/>
+          <p:nvPr/>
+        </p:nvSpPr>
+        <p:spPr>
+          <a:xfrm>
+            <a:off x="6041562" y="5723292"/>
+            <a:ext cx="478972" cy="261258"/>
+          </a:xfrm>
+          <a:prstGeom prst="rect">
+            <a:avLst/>
+          </a:prstGeom>
+          <a:solidFill>
+            <a:schemeClr val="bg1"/>
+          </a:solidFill>
+        </p:spPr>
+        <p:style>
+          <a:lnRef idx="2">
+            <a:schemeClr val="accent1">
+              <a:shade val="50000"/>
+            </a:schemeClr>
+          </a:lnRef>
+          <a:fillRef idx="1">
+            <a:schemeClr val="accent1"/>
+          </a:fillRef>
+          <a:effectRef idx="0">
+            <a:schemeClr val="accent1"/>
+          </a:effectRef>
+          <a:fontRef idx="minor">
+            <a:schemeClr val="lt1"/>
+          </a:fontRef>
+        </p:style>
+        <p:txBody>
+          <a:bodyPr rtlCol="0" anchor="ctr"/>
+          <a:lstStyle/>
+          <a:p>
+            <a:pPr algn="ctr"/>
+            <a:endParaRPr lang="ja-JP" altLang="en-US"/>
+          </a:p>
+        </p:txBody>
+      </p:sp>
+      <p:sp>
+        <p:nvSpPr>
+          <p:cNvPr id="133" name="テキスト ボックス 132">
+            <a:extLst>
+              <a:ext uri="{FF2B5EF4-FFF2-40B4-BE49-F238E27FC236}">
+                <a16:creationId xmlns:a16="http://schemas.microsoft.com/office/drawing/2014/main" id="{38506655-BC8E-475C-A43D-404420EE3094}"/>
+              </a:ext>
+            </a:extLst>
+          </p:cNvPr>
+          <p:cNvSpPr txBox="1"/>
+          <p:nvPr/>
+        </p:nvSpPr>
+        <p:spPr>
+          <a:xfrm>
+            <a:off x="5388645" y="4041842"/>
+            <a:ext cx="975360" cy="369332"/>
+          </a:xfrm>
+          <a:prstGeom prst="rect">
+            <a:avLst/>
+          </a:prstGeom>
+          <a:noFill/>
+        </p:spPr>
+        <p:txBody>
+          <a:bodyPr rot="0" spcFirstLastPara="0" vertOverflow="overflow" horzOverflow="overflow" vert="horz" wrap="square" lIns="91440" tIns="45720" rIns="91440" bIns="45720" numCol="1" spcCol="0" rtlCol="0" fromWordArt="0" anchor="t" anchorCtr="0" forceAA="0" compatLnSpc="1">
+            <a:prstTxWarp prst="textNoShape">
+              <a:avLst/>
+            </a:prstTxWarp>
+            <a:spAutoFit/>
+          </a:bodyPr>
+          <a:lstStyle/>
+          <a:p>
+            <a:pPr algn="l"/>
+            <a:r>
+              <a:rPr lang="ja-JP" altLang="en-US" dirty="0">
+                <a:ea typeface="ＭＳ Ｐゴシック"/>
+                <a:cs typeface="Calibri"/>
+              </a:rPr>
+              <a:t>デデデ</a:t>
+            </a:r>
+          </a:p>
+        </p:txBody>
+      </p:sp>
+      <p:cxnSp>
+        <p:nvCxnSpPr>
+          <p:cNvPr id="42" name="直線矢印コネクタ 41">
+            <a:extLst>
+              <a:ext uri="{FF2B5EF4-FFF2-40B4-BE49-F238E27FC236}">
+                <a16:creationId xmlns:a16="http://schemas.microsoft.com/office/drawing/2014/main" id="{B7CB6CCC-810B-47A2-9EA5-9551BA6F0F14}"/>
+              </a:ext>
+            </a:extLst>
+          </p:cNvPr>
+          <p:cNvCxnSpPr>
+            <a:cxnSpLocks/>
+            <a:endCxn id="37" idx="2"/>
+          </p:cNvCxnSpPr>
+          <p:nvPr/>
+        </p:nvCxnSpPr>
+        <p:spPr>
+          <a:xfrm flipV="1">
+            <a:off x="1924665" y="3061335"/>
+            <a:ext cx="7500459" cy="2815792"/>
+          </a:xfrm>
+          <a:prstGeom prst="straightConnector1">
+            <a:avLst/>
+          </a:prstGeom>
+          <a:ln>
+            <a:solidFill>
+              <a:schemeClr val="tx1"/>
+            </a:solidFill>
+            <a:tailEnd type="triangle"/>
+          </a:ln>
+        </p:spPr>
+        <p:style>
+          <a:lnRef idx="1">
+            <a:schemeClr val="accent1"/>
+          </a:lnRef>
+          <a:fillRef idx="0">
+            <a:schemeClr val="accent1"/>
+          </a:fillRef>
+          <a:effectRef idx="0">
+            <a:schemeClr val="accent1"/>
+          </a:effectRef>
+          <a:fontRef idx="minor">
+            <a:schemeClr val="tx1"/>
+          </a:fontRef>
+        </p:style>
+      </p:cxnSp>
+      <p:cxnSp>
+        <p:nvCxnSpPr>
+          <p:cNvPr id="93" name="直線矢印コネクタ 92">
+            <a:extLst>
+              <a:ext uri="{FF2B5EF4-FFF2-40B4-BE49-F238E27FC236}">
+                <a16:creationId xmlns:a16="http://schemas.microsoft.com/office/drawing/2014/main" id="{7C5CBD7D-78E7-4038-AC07-E1093AE6712E}"/>
+              </a:ext>
+            </a:extLst>
+          </p:cNvPr>
+          <p:cNvCxnSpPr/>
+          <p:nvPr/>
+        </p:nvCxnSpPr>
+        <p:spPr>
+          <a:xfrm flipV="1">
+            <a:off x="4000229" y="3690258"/>
+            <a:ext cx="1750966" cy="962528"/>
+          </a:xfrm>
+          <a:prstGeom prst="straightConnector1">
+            <a:avLst/>
+          </a:prstGeom>
+          <a:ln>
+            <a:tailEnd type="triangle"/>
+          </a:ln>
+        </p:spPr>
+        <p:style>
+          <a:lnRef idx="1">
+            <a:schemeClr val="dk1"/>
+          </a:lnRef>
+          <a:fillRef idx="0">
+            <a:schemeClr val="dk1"/>
+          </a:fillRef>
+          <a:effectRef idx="0">
+            <a:schemeClr val="dk1"/>
+          </a:effectRef>
+          <a:fontRef idx="minor">
+            <a:schemeClr val="tx1"/>
+          </a:fontRef>
+        </p:style>
+      </p:cxnSp>
+      <p:cxnSp>
+        <p:nvCxnSpPr>
+          <p:cNvPr id="135" name="直線矢印コネクタ 134">
+            <a:extLst>
+              <a:ext uri="{FF2B5EF4-FFF2-40B4-BE49-F238E27FC236}">
+                <a16:creationId xmlns:a16="http://schemas.microsoft.com/office/drawing/2014/main" id="{B72A4172-087B-4FDC-B67C-13DCED14A2C7}"/>
+              </a:ext>
+            </a:extLst>
+          </p:cNvPr>
+          <p:cNvCxnSpPr>
+            <a:endCxn id="8" idx="2"/>
+          </p:cNvCxnSpPr>
+          <p:nvPr/>
+        </p:nvCxnSpPr>
+        <p:spPr>
+          <a:xfrm flipH="1" flipV="1">
+            <a:off x="5751195" y="3693795"/>
+            <a:ext cx="441406" cy="958991"/>
+          </a:xfrm>
+          <a:prstGeom prst="straightConnector1">
+            <a:avLst/>
+          </a:prstGeom>
+          <a:ln>
+            <a:tailEnd type="triangle"/>
+          </a:ln>
+        </p:spPr>
+        <p:style>
+          <a:lnRef idx="1">
+            <a:schemeClr val="dk1"/>
+          </a:lnRef>
+          <a:fillRef idx="0">
+            <a:schemeClr val="dk1"/>
+          </a:fillRef>
+          <a:effectRef idx="0">
+            <a:schemeClr val="dk1"/>
+          </a:effectRef>
+          <a:fontRef idx="minor">
+            <a:schemeClr val="tx1"/>
+          </a:fontRef>
+        </p:style>
+      </p:cxnSp>
+      <p:cxnSp>
+        <p:nvCxnSpPr>
+          <p:cNvPr id="136" name="直線矢印コネクタ 135">
+            <a:extLst>
+              <a:ext uri="{FF2B5EF4-FFF2-40B4-BE49-F238E27FC236}">
+                <a16:creationId xmlns:a16="http://schemas.microsoft.com/office/drawing/2014/main" id="{97B7AA84-B412-4956-8D86-D76E2645E47A}"/>
+              </a:ext>
+            </a:extLst>
+          </p:cNvPr>
+          <p:cNvCxnSpPr>
+            <a:cxnSpLocks/>
+            <a:endCxn id="37" idx="2"/>
+          </p:cNvCxnSpPr>
+          <p:nvPr/>
+        </p:nvCxnSpPr>
+        <p:spPr>
+          <a:xfrm flipV="1">
+            <a:off x="4069209" y="3061335"/>
+            <a:ext cx="5355915" cy="2792588"/>
+          </a:xfrm>
+          <a:prstGeom prst="straightConnector1">
+            <a:avLst/>
+          </a:prstGeom>
+          <a:ln>
+            <a:tailEnd type="triangle"/>
+          </a:ln>
+        </p:spPr>
+        <p:style>
+          <a:lnRef idx="1">
+            <a:schemeClr val="dk1"/>
+          </a:lnRef>
+          <a:fillRef idx="0">
+            <a:schemeClr val="dk1"/>
+          </a:fillRef>
+          <a:effectRef idx="0">
+            <a:schemeClr val="dk1"/>
+          </a:effectRef>
+          <a:fontRef idx="minor">
+            <a:schemeClr val="tx1"/>
+          </a:fontRef>
+        </p:style>
+      </p:cxnSp>
+      <p:cxnSp>
+        <p:nvCxnSpPr>
+          <p:cNvPr id="140" name="直線矢印コネクタ 139">
+            <a:extLst>
+              <a:ext uri="{FF2B5EF4-FFF2-40B4-BE49-F238E27FC236}">
+                <a16:creationId xmlns:a16="http://schemas.microsoft.com/office/drawing/2014/main" id="{19EE667A-561C-488D-939D-111027C13491}"/>
+              </a:ext>
+            </a:extLst>
+          </p:cNvPr>
+          <p:cNvCxnSpPr>
+            <a:cxnSpLocks/>
+            <a:endCxn id="37" idx="2"/>
+          </p:cNvCxnSpPr>
+          <p:nvPr/>
+        </p:nvCxnSpPr>
+        <p:spPr>
+          <a:xfrm flipV="1">
+            <a:off x="6275201" y="3061335"/>
+            <a:ext cx="3149923" cy="2781156"/>
+          </a:xfrm>
+          <a:prstGeom prst="straightConnector1">
+            <a:avLst/>
+          </a:prstGeom>
+          <a:ln>
+            <a:tailEnd type="triangle"/>
+          </a:ln>
+        </p:spPr>
+        <p:style>
+          <a:lnRef idx="1">
+            <a:schemeClr val="dk1"/>
+          </a:lnRef>
+          <a:fillRef idx="0">
+            <a:schemeClr val="dk1"/>
+          </a:fillRef>
+          <a:effectRef idx="0">
+            <a:schemeClr val="dk1"/>
+          </a:effectRef>
+          <a:fontRef idx="minor">
+            <a:schemeClr val="tx1"/>
+          </a:fontRef>
+        </p:style>
+      </p:cxnSp>
+    </p:spTree>
+    <p:extLst>
+      <p:ext uri="{BB962C8B-B14F-4D97-AF65-F5344CB8AC3E}">
+        <p14:creationId xmlns:p14="http://schemas.microsoft.com/office/powerpoint/2010/main" val="562984276"/>
       </p:ext>
     </p:extLst>
   </p:cSld>
